--- a/70-535-00-Labs.pptx
+++ b/70-535-00-Labs.pptx
@@ -5,10 +5,10 @@
     <p:sldMasterId id="2147483660" r:id="rId1"/>
   </p:sldMasterIdLst>
   <p:notesMasterIdLst>
-    <p:notesMasterId r:id="rId17"/>
+    <p:notesMasterId r:id="rId19"/>
   </p:notesMasterIdLst>
   <p:handoutMasterIdLst>
-    <p:handoutMasterId r:id="rId18"/>
+    <p:handoutMasterId r:id="rId20"/>
   </p:handoutMasterIdLst>
   <p:sldIdLst>
     <p:sldId id="256" r:id="rId2"/>
@@ -17,56 +17,58 @@
     <p:sldId id="336" r:id="rId5"/>
     <p:sldId id="335" r:id="rId6"/>
     <p:sldId id="340" r:id="rId7"/>
-    <p:sldId id="338" r:id="rId8"/>
-    <p:sldId id="346" r:id="rId9"/>
-    <p:sldId id="347" r:id="rId10"/>
-    <p:sldId id="348" r:id="rId11"/>
-    <p:sldId id="349" r:id="rId12"/>
-    <p:sldId id="343" r:id="rId13"/>
-    <p:sldId id="331" r:id="rId14"/>
-    <p:sldId id="341" r:id="rId15"/>
-    <p:sldId id="330" r:id="rId16"/>
+    <p:sldId id="350" r:id="rId8"/>
+    <p:sldId id="351" r:id="rId9"/>
+    <p:sldId id="338" r:id="rId10"/>
+    <p:sldId id="346" r:id="rId11"/>
+    <p:sldId id="347" r:id="rId12"/>
+    <p:sldId id="348" r:id="rId13"/>
+    <p:sldId id="349" r:id="rId14"/>
+    <p:sldId id="343" r:id="rId15"/>
+    <p:sldId id="331" r:id="rId16"/>
+    <p:sldId id="341" r:id="rId17"/>
+    <p:sldId id="330" r:id="rId18"/>
   </p:sldIdLst>
   <p:sldSz cx="9144000" cy="6858000" type="screen4x3"/>
   <p:notesSz cx="6858000" cy="9144000"/>
   <p:embeddedFontLst>
     <p:embeddedFont>
+      <p:font typeface="Segoe UI" panose="020B0502040204020203" pitchFamily="34" charset="0"/>
+      <p:regular r:id="rId21"/>
+      <p:bold r:id="rId22"/>
+      <p:italic r:id="rId23"/>
+      <p:boldItalic r:id="rId24"/>
+    </p:embeddedFont>
+    <p:embeddedFont>
+      <p:font typeface="Calibri Light" panose="020F0302020204030204" pitchFamily="34" charset="0"/>
+      <p:regular r:id="rId25"/>
+      <p:italic r:id="rId26"/>
+    </p:embeddedFont>
+    <p:embeddedFont>
+      <p:font typeface="Verdana" panose="020B0604030504040204" pitchFamily="34" charset="0"/>
+      <p:regular r:id="rId27"/>
+      <p:bold r:id="rId28"/>
+      <p:italic r:id="rId29"/>
+      <p:boldItalic r:id="rId30"/>
+    </p:embeddedFont>
+    <p:embeddedFont>
       <p:font typeface="Consolas" panose="020B0609020204030204" pitchFamily="49" charset="0"/>
-      <p:regular r:id="rId19"/>
-      <p:bold r:id="rId20"/>
-      <p:italic r:id="rId21"/>
-      <p:boldItalic r:id="rId22"/>
+      <p:regular r:id="rId31"/>
+      <p:bold r:id="rId32"/>
+      <p:italic r:id="rId33"/>
+      <p:boldItalic r:id="rId34"/>
     </p:embeddedFont>
     <p:embeddedFont>
       <p:font typeface="Calibri" panose="020F0502020204030204" pitchFamily="34" charset="0"/>
-      <p:regular r:id="rId23"/>
-      <p:bold r:id="rId24"/>
-      <p:italic r:id="rId25"/>
-      <p:boldItalic r:id="rId26"/>
-    </p:embeddedFont>
-    <p:embeddedFont>
-      <p:font typeface="Segoe UI Light" panose="020B0502040204020203" pitchFamily="34" charset="0"/>
-      <p:regular r:id="rId27"/>
-      <p:italic r:id="rId28"/>
-    </p:embeddedFont>
-    <p:embeddedFont>
-      <p:font typeface="Segoe UI" panose="020B0502040204020203" pitchFamily="34" charset="0"/>
-      <p:regular r:id="rId29"/>
-      <p:bold r:id="rId30"/>
-      <p:italic r:id="rId31"/>
-      <p:boldItalic r:id="rId32"/>
-    </p:embeddedFont>
-    <p:embeddedFont>
-      <p:font typeface="Calibri Light" panose="020F0302020204030204" pitchFamily="34" charset="0"/>
-      <p:regular r:id="rId33"/>
-      <p:italic r:id="rId34"/>
-    </p:embeddedFont>
-    <p:embeddedFont>
-      <p:font typeface="Verdana" panose="020B0604030504040204" pitchFamily="34" charset="0"/>
       <p:regular r:id="rId35"/>
       <p:bold r:id="rId36"/>
       <p:italic r:id="rId37"/>
       <p:boldItalic r:id="rId38"/>
+    </p:embeddedFont>
+    <p:embeddedFont>
+      <p:font typeface="Segoe UI Light" panose="020B0502040204020203" pitchFamily="34" charset="0"/>
+      <p:regular r:id="rId39"/>
+      <p:italic r:id="rId40"/>
     </p:embeddedFont>
   </p:embeddedFontLst>
   <p:defaultTextStyle>
@@ -209,6 +211,8 @@
             <p14:sldId id="336"/>
             <p14:sldId id="335"/>
             <p14:sldId id="340"/>
+            <p14:sldId id="350"/>
+            <p14:sldId id="351"/>
             <p14:sldId id="338"/>
             <p14:sldId id="346"/>
             <p14:sldId id="347"/>
@@ -1557,9 +1561,12 @@
         </p:nvSpPr>
         <p:spPr>
           <a:xfrm>
-            <a:off x="4325938" y="73025"/>
-            <a:ext cx="2466975" cy="1851025"/>
+            <a:off x="381000" y="685800"/>
+            <a:ext cx="6096000" cy="3429000"/>
           </a:xfrm>
+          <a:prstGeom prst="rect">
+            <a:avLst/>
+          </a:prstGeom>
         </p:spPr>
       </p:sp>
       <p:sp>
@@ -1572,52 +1579,106 @@
             <p:ph type="body" idx="1"/>
           </p:nvPr>
         </p:nvSpPr>
-        <p:spPr/>
-        <p:txBody>
-          <a:bodyPr/>
+        <p:spPr>
+          <a:xfrm>
+            <a:off x="685800" y="4343400"/>
+            <a:ext cx="5486400" cy="4114800"/>
+          </a:xfrm>
+          <a:prstGeom prst="rect">
+            <a:avLst/>
+          </a:prstGeom>
+        </p:spPr>
+        <p:txBody>
+          <a:bodyPr>
+            <a:normAutofit/>
+          </a:bodyPr>
           <a:lstStyle/>
           <a:p>
-            <a:endParaRPr lang="en-US"/>
-          </a:p>
-        </p:txBody>
-      </p:sp>
-      <p:sp>
-        <p:nvSpPr>
-          <p:cNvPr id="4" name="Header Placeholder 3"/>
+            <a:endParaRPr lang="en-US" dirty="0"/>
+          </a:p>
+        </p:txBody>
+      </p:sp>
+      <p:sp>
+        <p:nvSpPr>
+          <p:cNvPr id="4" name="Date Placeholder 3"/>
           <p:cNvSpPr>
             <a:spLocks noGrp="1"/>
           </p:cNvSpPr>
           <p:nvPr>
-            <p:ph type="hdr" sz="quarter" idx="10"/>
+            <p:ph type="dt" idx="10"/>
           </p:nvPr>
         </p:nvSpPr>
-        <p:spPr/>
+        <p:spPr>
+          <a:xfrm>
+            <a:off x="3884613" y="0"/>
+            <a:ext cx="2971800" cy="457200"/>
+          </a:xfrm>
+          <a:prstGeom prst="rect">
+            <a:avLst/>
+          </a:prstGeom>
+        </p:spPr>
         <p:txBody>
           <a:bodyPr/>
           <a:lstStyle/>
           <a:p>
+            <a:fld id="{EA2B2ED8-C573-45EF-BF68-CEC19505703A}" type="datetime8">
+              <a:rPr lang="en-US" smtClean="0"/>
+              <a:t>2/15/2018 9:01 PM</a:t>
+            </a:fld>
             <a:endParaRPr lang="en-US" dirty="0"/>
           </a:p>
         </p:txBody>
       </p:sp>
       <p:sp>
         <p:nvSpPr>
-          <p:cNvPr id="5" name="Footer Placeholder 4"/>
+          <p:cNvPr id="7" name="Slide Number Placeholder 6"/>
           <p:cNvSpPr>
             <a:spLocks noGrp="1"/>
           </p:cNvSpPr>
           <p:nvPr>
-            <p:ph type="ftr" sz="quarter" idx="11"/>
+            <p:ph type="sldNum" sz="quarter" idx="12"/>
           </p:nvPr>
         </p:nvSpPr>
-        <p:spPr/>
+        <p:spPr>
+          <a:xfrm>
+            <a:off x="6172199" y="8685213"/>
+            <a:ext cx="684213" cy="457200"/>
+          </a:xfrm>
+          <a:prstGeom prst="rect">
+            <a:avLst/>
+          </a:prstGeom>
+        </p:spPr>
         <p:txBody>
           <a:bodyPr/>
           <a:lstStyle/>
           <a:p>
+            <a:fld id="{8B263312-38AA-4E1E-B2B5-0F8F122B24FE}" type="slidenum">
+              <a:rPr lang="en-US" smtClean="0"/>
+              <a:pPr/>
+              <a:t>10</a:t>
+            </a:fld>
+            <a:endParaRPr lang="en-US" dirty="0"/>
+          </a:p>
+        </p:txBody>
+      </p:sp>
+      <p:sp>
+        <p:nvSpPr>
+          <p:cNvPr id="6" name="Footer Placeholder 5"/>
+          <p:cNvSpPr>
+            <a:spLocks noGrp="1"/>
+          </p:cNvSpPr>
+          <p:nvPr>
+            <p:ph type="ftr" sz="quarter" idx="13"/>
+          </p:nvPr>
+        </p:nvSpPr>
+        <p:spPr/>
+        <p:txBody>
+          <a:bodyPr/>
+          <a:lstStyle/>
+          <a:p>
             <a:pPr defTabSz="914099" eaLnBrk="0" hangingPunct="0"/>
             <a:r>
-              <a:rPr lang="en-US" sz="400">
+              <a:rPr lang="en-US" sz="400" dirty="0">
                 <a:gradFill>
                   <a:gsLst>
                     <a:gs pos="0">
@@ -1635,33 +1696,17 @@
               </a:rPr>
               <a:t>© 2014 Microsoft Corporation. All rights reserved. MICROSOFT MAKES NO WARRANTIES, EXPRESS, IMPLIED OR STATUTORY, AS TO THE INFORMATION IN THIS PRESENTATION.</a:t>
             </a:r>
-            <a:endParaRPr lang="en-US" sz="400" dirty="0">
-              <a:gradFill>
-                <a:gsLst>
-                  <a:gs pos="0">
-                    <a:prstClr val="black"/>
-                  </a:gs>
-                  <a:gs pos="100000">
-                    <a:prstClr val="black"/>
-                  </a:gs>
-                </a:gsLst>
-                <a:lin ang="5400000" scaled="0"/>
-              </a:gradFill>
-              <a:latin typeface="Segoe UI" pitchFamily="34" charset="0"/>
-              <a:ea typeface="Segoe UI" pitchFamily="34" charset="0"/>
-              <a:cs typeface="Segoe UI" pitchFamily="34" charset="0"/>
-            </a:endParaRPr>
-          </a:p>
-        </p:txBody>
-      </p:sp>
-      <p:sp>
-        <p:nvSpPr>
-          <p:cNvPr id="6" name="Date Placeholder 5"/>
+          </a:p>
+        </p:txBody>
+      </p:sp>
+      <p:sp>
+        <p:nvSpPr>
+          <p:cNvPr id="9" name="Header Placeholder 8"/>
           <p:cNvSpPr>
             <a:spLocks noGrp="1"/>
           </p:cNvSpPr>
           <p:nvPr>
-            <p:ph type="dt" idx="12"/>
+            <p:ph type="hdr" sz="quarter" idx="14"/>
           </p:nvPr>
         </p:nvSpPr>
         <p:spPr/>
@@ -1669,34 +1714,6 @@
           <a:bodyPr/>
           <a:lstStyle/>
           <a:p>
-            <a:fld id="{38EEC551-8CDA-4EB6-89BB-2A86C9F091C8}" type="datetime8">
-              <a:rPr lang="en-US" smtClean="0"/>
-              <a:t>2/15/2018 4:46 PM</a:t>
-            </a:fld>
-            <a:endParaRPr lang="en-US" dirty="0"/>
-          </a:p>
-        </p:txBody>
-      </p:sp>
-      <p:sp>
-        <p:nvSpPr>
-          <p:cNvPr id="7" name="Slide Number Placeholder 6"/>
-          <p:cNvSpPr>
-            <a:spLocks noGrp="1"/>
-          </p:cNvSpPr>
-          <p:nvPr>
-            <p:ph type="sldNum" sz="quarter" idx="13"/>
-          </p:nvPr>
-        </p:nvSpPr>
-        <p:spPr/>
-        <p:txBody>
-          <a:bodyPr/>
-          <a:lstStyle/>
-          <a:p>
-            <a:fld id="{B4008EB6-D09E-4580-8CD6-DDB14511944F}" type="slidenum">
-              <a:rPr lang="en-US" smtClean="0"/>
-              <a:pPr/>
-              <a:t>10</a:t>
-            </a:fld>
             <a:endParaRPr lang="en-US" dirty="0"/>
           </a:p>
         </p:txBody>
@@ -1704,7 +1721,7 @@
     </p:spTree>
     <p:extLst>
       <p:ext uri="{BB962C8B-B14F-4D97-AF65-F5344CB8AC3E}">
-        <p14:creationId xmlns:p14="http://schemas.microsoft.com/office/powerpoint/2010/main" val="4217665090"/>
+        <p14:creationId xmlns:p14="http://schemas.microsoft.com/office/powerpoint/2010/main" val="942590685"/>
       </p:ext>
     </p:extLst>
   </p:cSld>
@@ -1763,7 +1780,7 @@
           <a:bodyPr/>
           <a:lstStyle/>
           <a:p>
-            <a:endParaRPr lang="en-US"/>
+            <a:endParaRPr lang="en-US" dirty="0"/>
           </a:p>
         </p:txBody>
       </p:sp>
@@ -1803,7 +1820,7 @@
           <a:p>
             <a:pPr defTabSz="914099" eaLnBrk="0" hangingPunct="0"/>
             <a:r>
-              <a:rPr lang="en-US" sz="400">
+              <a:rPr lang="en-US" sz="400" dirty="0">
                 <a:gradFill>
                   <a:gsLst>
                     <a:gs pos="0">
@@ -1821,22 +1838,6 @@
               </a:rPr>
               <a:t>© 2014 Microsoft Corporation. All rights reserved. MICROSOFT MAKES NO WARRANTIES, EXPRESS, IMPLIED OR STATUTORY, AS TO THE INFORMATION IN THIS PRESENTATION.</a:t>
             </a:r>
-            <a:endParaRPr lang="en-US" sz="400" dirty="0">
-              <a:gradFill>
-                <a:gsLst>
-                  <a:gs pos="0">
-                    <a:prstClr val="black"/>
-                  </a:gs>
-                  <a:gs pos="100000">
-                    <a:prstClr val="black"/>
-                  </a:gs>
-                </a:gsLst>
-                <a:lin ang="5400000" scaled="0"/>
-              </a:gradFill>
-              <a:latin typeface="Segoe UI" pitchFamily="34" charset="0"/>
-              <a:ea typeface="Segoe UI" pitchFamily="34" charset="0"/>
-              <a:cs typeface="Segoe UI" pitchFamily="34" charset="0"/>
-            </a:endParaRPr>
           </a:p>
         </p:txBody>
       </p:sp>
@@ -1855,9 +1856,9 @@
           <a:bodyPr/>
           <a:lstStyle/>
           <a:p>
-            <a:fld id="{38EEC551-8CDA-4EB6-89BB-2A86C9F091C8}" type="datetime8">
+            <a:fld id="{90EC29EE-A8AD-4CE0-9C0B-116E0D4D7533}" type="datetime8">
               <a:rPr lang="en-US" smtClean="0"/>
-              <a:t>2/15/2018 4:46 PM</a:t>
+              <a:t>2/15/2018 9:01 PM</a:t>
             </a:fld>
             <a:endParaRPr lang="en-US" dirty="0"/>
           </a:p>
@@ -1890,7 +1891,7 @@
     </p:spTree>
     <p:extLst>
       <p:ext uri="{BB962C8B-B14F-4D97-AF65-F5344CB8AC3E}">
-        <p14:creationId xmlns:p14="http://schemas.microsoft.com/office/powerpoint/2010/main" val="2275948589"/>
+        <p14:creationId xmlns:p14="http://schemas.microsoft.com/office/powerpoint/2010/main" val="165917018"/>
       </p:ext>
     </p:extLst>
   </p:cSld>
@@ -1955,12 +1956,12 @@
       </p:sp>
       <p:sp>
         <p:nvSpPr>
-          <p:cNvPr id="4" name="Slide Number Placeholder 3"/>
+          <p:cNvPr id="4" name="Header Placeholder 3"/>
           <p:cNvSpPr>
             <a:spLocks noGrp="1"/>
           </p:cNvSpPr>
           <p:nvPr>
-            <p:ph type="sldNum" sz="quarter" idx="10"/>
+            <p:ph type="hdr" sz="quarter" idx="10"/>
           </p:nvPr>
         </p:nvSpPr>
         <p:spPr/>
@@ -1968,8 +1969,105 @@
           <a:bodyPr/>
           <a:lstStyle/>
           <a:p>
-            <a:fld id="{F19E9337-0361-41F3-9C17-1F4FFD1214BA}" type="slidenum">
+            <a:endParaRPr lang="en-US" dirty="0"/>
+          </a:p>
+        </p:txBody>
+      </p:sp>
+      <p:sp>
+        <p:nvSpPr>
+          <p:cNvPr id="5" name="Footer Placeholder 4"/>
+          <p:cNvSpPr>
+            <a:spLocks noGrp="1"/>
+          </p:cNvSpPr>
+          <p:nvPr>
+            <p:ph type="ftr" sz="quarter" idx="11"/>
+          </p:nvPr>
+        </p:nvSpPr>
+        <p:spPr/>
+        <p:txBody>
+          <a:bodyPr/>
+          <a:lstStyle/>
+          <a:p>
+            <a:pPr defTabSz="914099" eaLnBrk="0" hangingPunct="0"/>
+            <a:r>
+              <a:rPr lang="en-US" sz="400">
+                <a:gradFill>
+                  <a:gsLst>
+                    <a:gs pos="0">
+                      <a:prstClr val="black"/>
+                    </a:gs>
+                    <a:gs pos="100000">
+                      <a:prstClr val="black"/>
+                    </a:gs>
+                  </a:gsLst>
+                  <a:lin ang="5400000" scaled="0"/>
+                </a:gradFill>
+                <a:latin typeface="Segoe UI" pitchFamily="34" charset="0"/>
+                <a:ea typeface="Segoe UI" pitchFamily="34" charset="0"/>
+                <a:cs typeface="Segoe UI" pitchFamily="34" charset="0"/>
+              </a:rPr>
+              <a:t>© 2014 Microsoft Corporation. All rights reserved. MICROSOFT MAKES NO WARRANTIES, EXPRESS, IMPLIED OR STATUTORY, AS TO THE INFORMATION IN THIS PRESENTATION.</a:t>
+            </a:r>
+            <a:endParaRPr lang="en-US" sz="400" dirty="0">
+              <a:gradFill>
+                <a:gsLst>
+                  <a:gs pos="0">
+                    <a:prstClr val="black"/>
+                  </a:gs>
+                  <a:gs pos="100000">
+                    <a:prstClr val="black"/>
+                  </a:gs>
+                </a:gsLst>
+                <a:lin ang="5400000" scaled="0"/>
+              </a:gradFill>
+              <a:latin typeface="Segoe UI" pitchFamily="34" charset="0"/>
+              <a:ea typeface="Segoe UI" pitchFamily="34" charset="0"/>
+              <a:cs typeface="Segoe UI" pitchFamily="34" charset="0"/>
+            </a:endParaRPr>
+          </a:p>
+        </p:txBody>
+      </p:sp>
+      <p:sp>
+        <p:nvSpPr>
+          <p:cNvPr id="6" name="Date Placeholder 5"/>
+          <p:cNvSpPr>
+            <a:spLocks noGrp="1"/>
+          </p:cNvSpPr>
+          <p:nvPr>
+            <p:ph type="dt" idx="12"/>
+          </p:nvPr>
+        </p:nvSpPr>
+        <p:spPr/>
+        <p:txBody>
+          <a:bodyPr/>
+          <a:lstStyle/>
+          <a:p>
+            <a:fld id="{38EEC551-8CDA-4EB6-89BB-2A86C9F091C8}" type="datetime8">
               <a:rPr lang="en-US" smtClean="0"/>
+              <a:t>2/15/2018 9:01 PM</a:t>
+            </a:fld>
+            <a:endParaRPr lang="en-US" dirty="0"/>
+          </a:p>
+        </p:txBody>
+      </p:sp>
+      <p:sp>
+        <p:nvSpPr>
+          <p:cNvPr id="7" name="Slide Number Placeholder 6"/>
+          <p:cNvSpPr>
+            <a:spLocks noGrp="1"/>
+          </p:cNvSpPr>
+          <p:nvPr>
+            <p:ph type="sldNum" sz="quarter" idx="13"/>
+          </p:nvPr>
+        </p:nvSpPr>
+        <p:spPr/>
+        <p:txBody>
+          <a:bodyPr/>
+          <a:lstStyle/>
+          <a:p>
+            <a:fld id="{B4008EB6-D09E-4580-8CD6-DDB14511944F}" type="slidenum">
+              <a:rPr lang="en-US" smtClean="0"/>
+              <a:pPr/>
               <a:t>12</a:t>
             </a:fld>
             <a:endParaRPr lang="en-US" dirty="0"/>
@@ -1979,7 +2077,7 @@
     </p:spTree>
     <p:extLst>
       <p:ext uri="{BB962C8B-B14F-4D97-AF65-F5344CB8AC3E}">
-        <p14:creationId xmlns:p14="http://schemas.microsoft.com/office/powerpoint/2010/main" val="1403509731"/>
+        <p14:creationId xmlns:p14="http://schemas.microsoft.com/office/powerpoint/2010/main" val="4217665090"/>
       </p:ext>
     </p:extLst>
   </p:cSld>
@@ -2044,12 +2142,12 @@
       </p:sp>
       <p:sp>
         <p:nvSpPr>
-          <p:cNvPr id="4" name="Slide Number Placeholder 3"/>
+          <p:cNvPr id="4" name="Header Placeholder 3"/>
           <p:cNvSpPr>
             <a:spLocks noGrp="1"/>
           </p:cNvSpPr>
           <p:nvPr>
-            <p:ph type="sldNum" sz="quarter" idx="10"/>
+            <p:ph type="hdr" sz="quarter" idx="10"/>
           </p:nvPr>
         </p:nvSpPr>
         <p:spPr/>
@@ -2057,8 +2155,105 @@
           <a:bodyPr/>
           <a:lstStyle/>
           <a:p>
-            <a:fld id="{F19E9337-0361-41F3-9C17-1F4FFD1214BA}" type="slidenum">
+            <a:endParaRPr lang="en-US" dirty="0"/>
+          </a:p>
+        </p:txBody>
+      </p:sp>
+      <p:sp>
+        <p:nvSpPr>
+          <p:cNvPr id="5" name="Footer Placeholder 4"/>
+          <p:cNvSpPr>
+            <a:spLocks noGrp="1"/>
+          </p:cNvSpPr>
+          <p:nvPr>
+            <p:ph type="ftr" sz="quarter" idx="11"/>
+          </p:nvPr>
+        </p:nvSpPr>
+        <p:spPr/>
+        <p:txBody>
+          <a:bodyPr/>
+          <a:lstStyle/>
+          <a:p>
+            <a:pPr defTabSz="914099" eaLnBrk="0" hangingPunct="0"/>
+            <a:r>
+              <a:rPr lang="en-US" sz="400">
+                <a:gradFill>
+                  <a:gsLst>
+                    <a:gs pos="0">
+                      <a:prstClr val="black"/>
+                    </a:gs>
+                    <a:gs pos="100000">
+                      <a:prstClr val="black"/>
+                    </a:gs>
+                  </a:gsLst>
+                  <a:lin ang="5400000" scaled="0"/>
+                </a:gradFill>
+                <a:latin typeface="Segoe UI" pitchFamily="34" charset="0"/>
+                <a:ea typeface="Segoe UI" pitchFamily="34" charset="0"/>
+                <a:cs typeface="Segoe UI" pitchFamily="34" charset="0"/>
+              </a:rPr>
+              <a:t>© 2014 Microsoft Corporation. All rights reserved. MICROSOFT MAKES NO WARRANTIES, EXPRESS, IMPLIED OR STATUTORY, AS TO THE INFORMATION IN THIS PRESENTATION.</a:t>
+            </a:r>
+            <a:endParaRPr lang="en-US" sz="400" dirty="0">
+              <a:gradFill>
+                <a:gsLst>
+                  <a:gs pos="0">
+                    <a:prstClr val="black"/>
+                  </a:gs>
+                  <a:gs pos="100000">
+                    <a:prstClr val="black"/>
+                  </a:gs>
+                </a:gsLst>
+                <a:lin ang="5400000" scaled="0"/>
+              </a:gradFill>
+              <a:latin typeface="Segoe UI" pitchFamily="34" charset="0"/>
+              <a:ea typeface="Segoe UI" pitchFamily="34" charset="0"/>
+              <a:cs typeface="Segoe UI" pitchFamily="34" charset="0"/>
+            </a:endParaRPr>
+          </a:p>
+        </p:txBody>
+      </p:sp>
+      <p:sp>
+        <p:nvSpPr>
+          <p:cNvPr id="6" name="Date Placeholder 5"/>
+          <p:cNvSpPr>
+            <a:spLocks noGrp="1"/>
+          </p:cNvSpPr>
+          <p:nvPr>
+            <p:ph type="dt" idx="12"/>
+          </p:nvPr>
+        </p:nvSpPr>
+        <p:spPr/>
+        <p:txBody>
+          <a:bodyPr/>
+          <a:lstStyle/>
+          <a:p>
+            <a:fld id="{38EEC551-8CDA-4EB6-89BB-2A86C9F091C8}" type="datetime8">
               <a:rPr lang="en-US" smtClean="0"/>
+              <a:t>2/15/2018 9:01 PM</a:t>
+            </a:fld>
+            <a:endParaRPr lang="en-US" dirty="0"/>
+          </a:p>
+        </p:txBody>
+      </p:sp>
+      <p:sp>
+        <p:nvSpPr>
+          <p:cNvPr id="7" name="Slide Number Placeholder 6"/>
+          <p:cNvSpPr>
+            <a:spLocks noGrp="1"/>
+          </p:cNvSpPr>
+          <p:nvPr>
+            <p:ph type="sldNum" sz="quarter" idx="13"/>
+          </p:nvPr>
+        </p:nvSpPr>
+        <p:spPr/>
+        <p:txBody>
+          <a:bodyPr/>
+          <a:lstStyle/>
+          <a:p>
+            <a:fld id="{B4008EB6-D09E-4580-8CD6-DDB14511944F}" type="slidenum">
+              <a:rPr lang="en-US" smtClean="0"/>
+              <a:pPr/>
               <a:t>13</a:t>
             </a:fld>
             <a:endParaRPr lang="en-US" dirty="0"/>
@@ -2068,7 +2263,7 @@
     </p:spTree>
     <p:extLst>
       <p:ext uri="{BB962C8B-B14F-4D97-AF65-F5344CB8AC3E}">
-        <p14:creationId xmlns:p14="http://schemas.microsoft.com/office/powerpoint/2010/main" val="3393414946"/>
+        <p14:creationId xmlns:p14="http://schemas.microsoft.com/office/powerpoint/2010/main" val="2275948589"/>
       </p:ext>
     </p:extLst>
   </p:cSld>
@@ -2157,7 +2352,7 @@
     </p:spTree>
     <p:extLst>
       <p:ext uri="{BB962C8B-B14F-4D97-AF65-F5344CB8AC3E}">
-        <p14:creationId xmlns:p14="http://schemas.microsoft.com/office/powerpoint/2010/main" val="3454278807"/>
+        <p14:creationId xmlns:p14="http://schemas.microsoft.com/office/powerpoint/2010/main" val="1403509731"/>
       </p:ext>
     </p:extLst>
   </p:cSld>
@@ -2238,6 +2433,184 @@
             <a:fld id="{F19E9337-0361-41F3-9C17-1F4FFD1214BA}" type="slidenum">
               <a:rPr lang="en-US" smtClean="0"/>
               <a:t>15</a:t>
+            </a:fld>
+            <a:endParaRPr lang="en-US" dirty="0"/>
+          </a:p>
+        </p:txBody>
+      </p:sp>
+    </p:spTree>
+    <p:extLst>
+      <p:ext uri="{BB962C8B-B14F-4D97-AF65-F5344CB8AC3E}">
+        <p14:creationId xmlns:p14="http://schemas.microsoft.com/office/powerpoint/2010/main" val="3393414946"/>
+      </p:ext>
+    </p:extLst>
+  </p:cSld>
+  <p:clrMapOvr>
+    <a:masterClrMapping/>
+  </p:clrMapOvr>
+</p:notes>
+</file>
+
+<file path=ppt/notesSlides/notesSlide16.xml><?xml version="1.0" encoding="utf-8"?>
+<p:notes xmlns:a="http://schemas.openxmlformats.org/drawingml/2006/main" xmlns:r="http://schemas.openxmlformats.org/officeDocument/2006/relationships" xmlns:p="http://schemas.openxmlformats.org/presentationml/2006/main">
+  <p:cSld>
+    <p:spTree>
+      <p:nvGrpSpPr>
+        <p:cNvPr id="1" name=""/>
+        <p:cNvGrpSpPr/>
+        <p:nvPr/>
+      </p:nvGrpSpPr>
+      <p:grpSpPr>
+        <a:xfrm>
+          <a:off x="0" y="0"/>
+          <a:ext cx="0" cy="0"/>
+          <a:chOff x="0" y="0"/>
+          <a:chExt cx="0" cy="0"/>
+        </a:xfrm>
+      </p:grpSpPr>
+      <p:sp>
+        <p:nvSpPr>
+          <p:cNvPr id="2" name="Slide Image Placeholder 1"/>
+          <p:cNvSpPr>
+            <a:spLocks noGrp="1" noRot="1" noChangeAspect="1"/>
+          </p:cNvSpPr>
+          <p:nvPr>
+            <p:ph type="sldImg"/>
+          </p:nvPr>
+        </p:nvSpPr>
+        <p:spPr>
+          <a:xfrm>
+            <a:off x="4325938" y="73025"/>
+            <a:ext cx="2466975" cy="1851025"/>
+          </a:xfrm>
+        </p:spPr>
+      </p:sp>
+      <p:sp>
+        <p:nvSpPr>
+          <p:cNvPr id="3" name="Notes Placeholder 2"/>
+          <p:cNvSpPr>
+            <a:spLocks noGrp="1"/>
+          </p:cNvSpPr>
+          <p:nvPr>
+            <p:ph type="body" idx="1"/>
+          </p:nvPr>
+        </p:nvSpPr>
+        <p:spPr/>
+        <p:txBody>
+          <a:bodyPr/>
+          <a:lstStyle/>
+          <a:p>
+            <a:endParaRPr lang="en-US"/>
+          </a:p>
+        </p:txBody>
+      </p:sp>
+      <p:sp>
+        <p:nvSpPr>
+          <p:cNvPr id="4" name="Slide Number Placeholder 3"/>
+          <p:cNvSpPr>
+            <a:spLocks noGrp="1"/>
+          </p:cNvSpPr>
+          <p:nvPr>
+            <p:ph type="sldNum" sz="quarter" idx="10"/>
+          </p:nvPr>
+        </p:nvSpPr>
+        <p:spPr/>
+        <p:txBody>
+          <a:bodyPr/>
+          <a:lstStyle/>
+          <a:p>
+            <a:fld id="{F19E9337-0361-41F3-9C17-1F4FFD1214BA}" type="slidenum">
+              <a:rPr lang="en-US" smtClean="0"/>
+              <a:t>16</a:t>
+            </a:fld>
+            <a:endParaRPr lang="en-US" dirty="0"/>
+          </a:p>
+        </p:txBody>
+      </p:sp>
+    </p:spTree>
+    <p:extLst>
+      <p:ext uri="{BB962C8B-B14F-4D97-AF65-F5344CB8AC3E}">
+        <p14:creationId xmlns:p14="http://schemas.microsoft.com/office/powerpoint/2010/main" val="3454278807"/>
+      </p:ext>
+    </p:extLst>
+  </p:cSld>
+  <p:clrMapOvr>
+    <a:masterClrMapping/>
+  </p:clrMapOvr>
+</p:notes>
+</file>
+
+<file path=ppt/notesSlides/notesSlide17.xml><?xml version="1.0" encoding="utf-8"?>
+<p:notes xmlns:a="http://schemas.openxmlformats.org/drawingml/2006/main" xmlns:r="http://schemas.openxmlformats.org/officeDocument/2006/relationships" xmlns:p="http://schemas.openxmlformats.org/presentationml/2006/main">
+  <p:cSld>
+    <p:spTree>
+      <p:nvGrpSpPr>
+        <p:cNvPr id="1" name=""/>
+        <p:cNvGrpSpPr/>
+        <p:nvPr/>
+      </p:nvGrpSpPr>
+      <p:grpSpPr>
+        <a:xfrm>
+          <a:off x="0" y="0"/>
+          <a:ext cx="0" cy="0"/>
+          <a:chOff x="0" y="0"/>
+          <a:chExt cx="0" cy="0"/>
+        </a:xfrm>
+      </p:grpSpPr>
+      <p:sp>
+        <p:nvSpPr>
+          <p:cNvPr id="2" name="Slide Image Placeholder 1"/>
+          <p:cNvSpPr>
+            <a:spLocks noGrp="1" noRot="1" noChangeAspect="1"/>
+          </p:cNvSpPr>
+          <p:nvPr>
+            <p:ph type="sldImg"/>
+          </p:nvPr>
+        </p:nvSpPr>
+        <p:spPr>
+          <a:xfrm>
+            <a:off x="4325938" y="73025"/>
+            <a:ext cx="2466975" cy="1851025"/>
+          </a:xfrm>
+        </p:spPr>
+      </p:sp>
+      <p:sp>
+        <p:nvSpPr>
+          <p:cNvPr id="3" name="Notes Placeholder 2"/>
+          <p:cNvSpPr>
+            <a:spLocks noGrp="1"/>
+          </p:cNvSpPr>
+          <p:nvPr>
+            <p:ph type="body" idx="1"/>
+          </p:nvPr>
+        </p:nvSpPr>
+        <p:spPr/>
+        <p:txBody>
+          <a:bodyPr/>
+          <a:lstStyle/>
+          <a:p>
+            <a:endParaRPr lang="en-US"/>
+          </a:p>
+        </p:txBody>
+      </p:sp>
+      <p:sp>
+        <p:nvSpPr>
+          <p:cNvPr id="4" name="Slide Number Placeholder 3"/>
+          <p:cNvSpPr>
+            <a:spLocks noGrp="1"/>
+          </p:cNvSpPr>
+          <p:nvPr>
+            <p:ph type="sldNum" sz="quarter" idx="10"/>
+          </p:nvPr>
+        </p:nvSpPr>
+        <p:spPr/>
+        <p:txBody>
+          <a:bodyPr/>
+          <a:lstStyle/>
+          <a:p>
+            <a:fld id="{F19E9337-0361-41F3-9C17-1F4FFD1214BA}" type="slidenum">
+              <a:rPr lang="en-US" smtClean="0"/>
+              <a:t>17</a:t>
             </a:fld>
             <a:endParaRPr lang="en-US" dirty="0"/>
           </a:p>
@@ -2840,7 +3213,7 @@
     </p:spTree>
     <p:extLst>
       <p:ext uri="{BB962C8B-B14F-4D97-AF65-F5344CB8AC3E}">
-        <p14:creationId xmlns:p14="http://schemas.microsoft.com/office/powerpoint/2010/main" val="1772161707"/>
+        <p14:creationId xmlns:p14="http://schemas.microsoft.com/office/powerpoint/2010/main" val="3406104060"/>
       </p:ext>
     </p:extLst>
   </p:cSld>
@@ -2879,12 +3252,9 @@
         </p:nvSpPr>
         <p:spPr>
           <a:xfrm>
-            <a:off x="381000" y="685800"/>
-            <a:ext cx="6096000" cy="3429000"/>
+            <a:off x="4325938" y="73025"/>
+            <a:ext cx="2466975" cy="1851025"/>
           </a:xfrm>
-          <a:prstGeom prst="rect">
-            <a:avLst/>
-          </a:prstGeom>
         </p:spPr>
       </p:sp>
       <p:sp>
@@ -2897,149 +3267,42 @@
             <p:ph type="body" idx="1"/>
           </p:nvPr>
         </p:nvSpPr>
-        <p:spPr>
-          <a:xfrm>
-            <a:off x="685800" y="4343400"/>
-            <a:ext cx="5486400" cy="4114800"/>
-          </a:xfrm>
-          <a:prstGeom prst="rect">
-            <a:avLst/>
-          </a:prstGeom>
-        </p:spPr>
-        <p:txBody>
-          <a:bodyPr>
-            <a:normAutofit/>
-          </a:bodyPr>
+        <p:spPr/>
+        <p:txBody>
+          <a:bodyPr/>
           <a:lstStyle/>
           <a:p>
-            <a:endParaRPr lang="en-US" dirty="0"/>
-          </a:p>
-        </p:txBody>
-      </p:sp>
-      <p:sp>
-        <p:nvSpPr>
-          <p:cNvPr id="4" name="Date Placeholder 3"/>
+            <a:endParaRPr lang="en-US"/>
+          </a:p>
+        </p:txBody>
+      </p:sp>
+      <p:sp>
+        <p:nvSpPr>
+          <p:cNvPr id="4" name="Slide Number Placeholder 3"/>
           <p:cNvSpPr>
             <a:spLocks noGrp="1"/>
           </p:cNvSpPr>
           <p:nvPr>
-            <p:ph type="dt" idx="10"/>
+            <p:ph type="sldNum" sz="quarter" idx="10"/>
           </p:nvPr>
         </p:nvSpPr>
-        <p:spPr>
-          <a:xfrm>
-            <a:off x="3884613" y="0"/>
-            <a:ext cx="2971800" cy="457200"/>
-          </a:xfrm>
-          <a:prstGeom prst="rect">
-            <a:avLst/>
-          </a:prstGeom>
-        </p:spPr>
+        <p:spPr/>
         <p:txBody>
           <a:bodyPr/>
           <a:lstStyle/>
           <a:p>
-            <a:fld id="{EA2B2ED8-C573-45EF-BF68-CEC19505703A}" type="datetime8">
+            <a:fld id="{F19E9337-0361-41F3-9C17-1F4FFD1214BA}" type="slidenum">
               <a:rPr lang="en-US" smtClean="0"/>
-              <a:t>2/15/2018 4:46 PM</a:t>
-            </a:fld>
-            <a:endParaRPr lang="en-US" dirty="0"/>
-          </a:p>
-        </p:txBody>
-      </p:sp>
-      <p:sp>
-        <p:nvSpPr>
-          <p:cNvPr id="7" name="Slide Number Placeholder 6"/>
-          <p:cNvSpPr>
-            <a:spLocks noGrp="1"/>
-          </p:cNvSpPr>
-          <p:nvPr>
-            <p:ph type="sldNum" sz="quarter" idx="12"/>
-          </p:nvPr>
-        </p:nvSpPr>
-        <p:spPr>
-          <a:xfrm>
-            <a:off x="6172199" y="8685213"/>
-            <a:ext cx="684213" cy="457200"/>
-          </a:xfrm>
-          <a:prstGeom prst="rect">
-            <a:avLst/>
-          </a:prstGeom>
-        </p:spPr>
-        <p:txBody>
-          <a:bodyPr/>
-          <a:lstStyle/>
-          <a:p>
-            <a:fld id="{8B263312-38AA-4E1E-B2B5-0F8F122B24FE}" type="slidenum">
-              <a:rPr lang="en-US" smtClean="0"/>
-              <a:pPr/>
               <a:t>8</a:t>
             </a:fld>
             <a:endParaRPr lang="en-US" dirty="0"/>
           </a:p>
         </p:txBody>
       </p:sp>
-      <p:sp>
-        <p:nvSpPr>
-          <p:cNvPr id="6" name="Footer Placeholder 5"/>
-          <p:cNvSpPr>
-            <a:spLocks noGrp="1"/>
-          </p:cNvSpPr>
-          <p:nvPr>
-            <p:ph type="ftr" sz="quarter" idx="13"/>
-          </p:nvPr>
-        </p:nvSpPr>
-        <p:spPr/>
-        <p:txBody>
-          <a:bodyPr/>
-          <a:lstStyle/>
-          <a:p>
-            <a:pPr defTabSz="914099" eaLnBrk="0" hangingPunct="0"/>
-            <a:r>
-              <a:rPr lang="en-US" sz="400" dirty="0">
-                <a:gradFill>
-                  <a:gsLst>
-                    <a:gs pos="0">
-                      <a:prstClr val="black"/>
-                    </a:gs>
-                    <a:gs pos="100000">
-                      <a:prstClr val="black"/>
-                    </a:gs>
-                  </a:gsLst>
-                  <a:lin ang="5400000" scaled="0"/>
-                </a:gradFill>
-                <a:latin typeface="Segoe UI" pitchFamily="34" charset="0"/>
-                <a:ea typeface="Segoe UI" pitchFamily="34" charset="0"/>
-                <a:cs typeface="Segoe UI" pitchFamily="34" charset="0"/>
-              </a:rPr>
-              <a:t>© 2014 Microsoft Corporation. All rights reserved. MICROSOFT MAKES NO WARRANTIES, EXPRESS, IMPLIED OR STATUTORY, AS TO THE INFORMATION IN THIS PRESENTATION.</a:t>
-            </a:r>
-          </a:p>
-        </p:txBody>
-      </p:sp>
-      <p:sp>
-        <p:nvSpPr>
-          <p:cNvPr id="9" name="Header Placeholder 8"/>
-          <p:cNvSpPr>
-            <a:spLocks noGrp="1"/>
-          </p:cNvSpPr>
-          <p:nvPr>
-            <p:ph type="hdr" sz="quarter" idx="14"/>
-          </p:nvPr>
-        </p:nvSpPr>
-        <p:spPr/>
-        <p:txBody>
-          <a:bodyPr/>
-          <a:lstStyle/>
-          <a:p>
-            <a:endParaRPr lang="en-US" dirty="0"/>
-          </a:p>
-        </p:txBody>
-      </p:sp>
     </p:spTree>
     <p:extLst>
       <p:ext uri="{BB962C8B-B14F-4D97-AF65-F5344CB8AC3E}">
-        <p14:creationId xmlns:p14="http://schemas.microsoft.com/office/powerpoint/2010/main" val="942590685"/>
+        <p14:creationId xmlns:p14="http://schemas.microsoft.com/office/powerpoint/2010/main" val="1700505844"/>
       </p:ext>
     </p:extLst>
   </p:cSld>
@@ -3098,18 +3361,18 @@
           <a:bodyPr/>
           <a:lstStyle/>
           <a:p>
-            <a:endParaRPr lang="en-US" dirty="0"/>
-          </a:p>
-        </p:txBody>
-      </p:sp>
-      <p:sp>
-        <p:nvSpPr>
-          <p:cNvPr id="4" name="Header Placeholder 3"/>
+            <a:endParaRPr lang="en-US"/>
+          </a:p>
+        </p:txBody>
+      </p:sp>
+      <p:sp>
+        <p:nvSpPr>
+          <p:cNvPr id="4" name="Slide Number Placeholder 3"/>
           <p:cNvSpPr>
             <a:spLocks noGrp="1"/>
           </p:cNvSpPr>
           <p:nvPr>
-            <p:ph type="hdr" sz="quarter" idx="10"/>
+            <p:ph type="sldNum" sz="quarter" idx="10"/>
           </p:nvPr>
         </p:nvSpPr>
         <p:spPr/>
@@ -3117,89 +3380,8 @@
           <a:bodyPr/>
           <a:lstStyle/>
           <a:p>
-            <a:endParaRPr lang="en-US" dirty="0"/>
-          </a:p>
-        </p:txBody>
-      </p:sp>
-      <p:sp>
-        <p:nvSpPr>
-          <p:cNvPr id="5" name="Footer Placeholder 4"/>
-          <p:cNvSpPr>
-            <a:spLocks noGrp="1"/>
-          </p:cNvSpPr>
-          <p:nvPr>
-            <p:ph type="ftr" sz="quarter" idx="11"/>
-          </p:nvPr>
-        </p:nvSpPr>
-        <p:spPr/>
-        <p:txBody>
-          <a:bodyPr/>
-          <a:lstStyle/>
-          <a:p>
-            <a:pPr defTabSz="914099" eaLnBrk="0" hangingPunct="0"/>
-            <a:r>
-              <a:rPr lang="en-US" sz="400" dirty="0">
-                <a:gradFill>
-                  <a:gsLst>
-                    <a:gs pos="0">
-                      <a:prstClr val="black"/>
-                    </a:gs>
-                    <a:gs pos="100000">
-                      <a:prstClr val="black"/>
-                    </a:gs>
-                  </a:gsLst>
-                  <a:lin ang="5400000" scaled="0"/>
-                </a:gradFill>
-                <a:latin typeface="Segoe UI" pitchFamily="34" charset="0"/>
-                <a:ea typeface="Segoe UI" pitchFamily="34" charset="0"/>
-                <a:cs typeface="Segoe UI" pitchFamily="34" charset="0"/>
-              </a:rPr>
-              <a:t>© 2014 Microsoft Corporation. All rights reserved. MICROSOFT MAKES NO WARRANTIES, EXPRESS, IMPLIED OR STATUTORY, AS TO THE INFORMATION IN THIS PRESENTATION.</a:t>
-            </a:r>
-          </a:p>
-        </p:txBody>
-      </p:sp>
-      <p:sp>
-        <p:nvSpPr>
-          <p:cNvPr id="6" name="Date Placeholder 5"/>
-          <p:cNvSpPr>
-            <a:spLocks noGrp="1"/>
-          </p:cNvSpPr>
-          <p:nvPr>
-            <p:ph type="dt" idx="12"/>
-          </p:nvPr>
-        </p:nvSpPr>
-        <p:spPr/>
-        <p:txBody>
-          <a:bodyPr/>
-          <a:lstStyle/>
-          <a:p>
-            <a:fld id="{90EC29EE-A8AD-4CE0-9C0B-116E0D4D7533}" type="datetime8">
+            <a:fld id="{F19E9337-0361-41F3-9C17-1F4FFD1214BA}" type="slidenum">
               <a:rPr lang="en-US" smtClean="0"/>
-              <a:t>2/15/2018 4:46 PM</a:t>
-            </a:fld>
-            <a:endParaRPr lang="en-US" dirty="0"/>
-          </a:p>
-        </p:txBody>
-      </p:sp>
-      <p:sp>
-        <p:nvSpPr>
-          <p:cNvPr id="7" name="Slide Number Placeholder 6"/>
-          <p:cNvSpPr>
-            <a:spLocks noGrp="1"/>
-          </p:cNvSpPr>
-          <p:nvPr>
-            <p:ph type="sldNum" sz="quarter" idx="13"/>
-          </p:nvPr>
-        </p:nvSpPr>
-        <p:spPr/>
-        <p:txBody>
-          <a:bodyPr/>
-          <a:lstStyle/>
-          <a:p>
-            <a:fld id="{B4008EB6-D09E-4580-8CD6-DDB14511944F}" type="slidenum">
-              <a:rPr lang="en-US" smtClean="0"/>
-              <a:pPr/>
               <a:t>9</a:t>
             </a:fld>
             <a:endParaRPr lang="en-US" dirty="0"/>
@@ -3209,7 +3391,7 @@
     </p:spTree>
     <p:extLst>
       <p:ext uri="{BB962C8B-B14F-4D97-AF65-F5344CB8AC3E}">
-        <p14:creationId xmlns:p14="http://schemas.microsoft.com/office/powerpoint/2010/main" val="165917018"/>
+        <p14:creationId xmlns:p14="http://schemas.microsoft.com/office/powerpoint/2010/main" val="1772161707"/>
       </p:ext>
     </p:extLst>
   </p:cSld>
@@ -11847,6 +12029,1183 @@
 </file>
 
 <file path=ppt/slides/slide10.xml><?xml version="1.0" encoding="utf-8"?>
+<p:sld xmlns:a="http://schemas.openxmlformats.org/drawingml/2006/main" xmlns:r="http://schemas.openxmlformats.org/officeDocument/2006/relationships" xmlns:p="http://schemas.openxmlformats.org/presentationml/2006/main" show="0">
+  <p:cSld>
+    <p:spTree>
+      <p:nvGrpSpPr>
+        <p:cNvPr id="1" name=""/>
+        <p:cNvGrpSpPr/>
+        <p:nvPr/>
+      </p:nvGrpSpPr>
+      <p:grpSpPr>
+        <a:xfrm>
+          <a:off x="0" y="0"/>
+          <a:ext cx="0" cy="0"/>
+          <a:chOff x="0" y="0"/>
+          <a:chExt cx="0" cy="0"/>
+        </a:xfrm>
+      </p:grpSpPr>
+      <p:sp>
+        <p:nvSpPr>
+          <p:cNvPr id="2" name="Title 1"/>
+          <p:cNvSpPr>
+            <a:spLocks noGrp="1"/>
+          </p:cNvSpPr>
+          <p:nvPr>
+            <p:ph type="title"/>
+          </p:nvPr>
+        </p:nvSpPr>
+        <p:spPr>
+          <a:xfrm>
+            <a:off x="201931" y="1074718"/>
+            <a:ext cx="8741880" cy="674653"/>
+          </a:xfrm>
+        </p:spPr>
+        <p:txBody>
+          <a:bodyPr/>
+          <a:lstStyle/>
+          <a:p>
+            <a:r>
+              <a:rPr lang="en-US" dirty="0"/>
+              <a:t>Solution Architecture: Overview</a:t>
+            </a:r>
+            <a:endParaRPr lang="en-US" sz="2941" dirty="0">
+              <a:gradFill>
+                <a:gsLst>
+                  <a:gs pos="1250">
+                    <a:schemeClr val="tx2"/>
+                  </a:gs>
+                  <a:gs pos="99000">
+                    <a:schemeClr val="tx2"/>
+                  </a:gs>
+                </a:gsLst>
+                <a:lin ang="5400000" scaled="0"/>
+              </a:gradFill>
+            </a:endParaRPr>
+          </a:p>
+        </p:txBody>
+      </p:sp>
+      <p:sp>
+        <p:nvSpPr>
+          <p:cNvPr id="3" name="Text Placeholder 2"/>
+          <p:cNvSpPr>
+            <a:spLocks noGrp="1"/>
+          </p:cNvSpPr>
+          <p:nvPr>
+            <p:ph type="body" sz="quarter" idx="10"/>
+          </p:nvPr>
+        </p:nvSpPr>
+        <p:spPr>
+          <a:xfrm>
+            <a:off x="201930" y="1749371"/>
+            <a:ext cx="5098415" cy="3498971"/>
+          </a:xfrm>
+        </p:spPr>
+        <p:txBody>
+          <a:bodyPr/>
+          <a:lstStyle/>
+          <a:p>
+            <a:pPr marL="0" indent="0">
+              <a:buNone/>
+            </a:pPr>
+            <a:r>
+              <a:rPr lang="en-US" dirty="0"/>
+              <a:t>Session Goals</a:t>
+            </a:r>
+          </a:p>
+          <a:p>
+            <a:pPr>
+              <a:lnSpc>
+                <a:spcPct val="100000"/>
+              </a:lnSpc>
+            </a:pPr>
+            <a:r>
+              <a:rPr lang="en-US" sz="1765" dirty="0">
+                <a:solidFill>
+                  <a:schemeClr val="tx1">
+                    <a:lumMod val="50000"/>
+                  </a:schemeClr>
+                </a:solidFill>
+              </a:rPr>
+              <a:t>Understand Azure architectural approach, and recognize different </a:t>
+            </a:r>
+            <a:r>
+              <a:rPr lang="en-US" sz="1765" u="sng" dirty="0">
+                <a:solidFill>
+                  <a:schemeClr val="tx1">
+                    <a:lumMod val="50000"/>
+                  </a:schemeClr>
+                </a:solidFill>
+                <a:hlinkClick r:id="rId3"/>
+              </a:rPr>
+              <a:t>Architecture Styles</a:t>
+            </a:r>
+            <a:endParaRPr lang="en-US" sz="1765" u="sng" dirty="0">
+              <a:solidFill>
+                <a:schemeClr val="tx1">
+                  <a:lumMod val="50000"/>
+                </a:schemeClr>
+              </a:solidFill>
+            </a:endParaRPr>
+          </a:p>
+          <a:p>
+            <a:pPr>
+              <a:lnSpc>
+                <a:spcPct val="100000"/>
+              </a:lnSpc>
+            </a:pPr>
+            <a:r>
+              <a:rPr lang="en-US" sz="1765" dirty="0">
+                <a:solidFill>
+                  <a:schemeClr val="tx1">
+                    <a:lumMod val="50000"/>
+                  </a:schemeClr>
+                </a:solidFill>
+              </a:rPr>
+              <a:t>Know when to choose a particular style, based on benefits, challenges, and best practices</a:t>
+            </a:r>
+          </a:p>
+          <a:p>
+            <a:pPr>
+              <a:lnSpc>
+                <a:spcPct val="100000"/>
+              </a:lnSpc>
+            </a:pPr>
+            <a:r>
+              <a:rPr lang="en-US" sz="1765" dirty="0">
+                <a:solidFill>
+                  <a:schemeClr val="tx1">
+                    <a:lumMod val="50000"/>
+                  </a:schemeClr>
+                </a:solidFill>
+              </a:rPr>
+              <a:t>Understand </a:t>
+            </a:r>
+            <a:r>
+              <a:rPr lang="en-US" sz="1765" dirty="0">
+                <a:solidFill>
+                  <a:schemeClr val="tx1">
+                    <a:lumMod val="50000"/>
+                  </a:schemeClr>
+                </a:solidFill>
+                <a:hlinkClick r:id="rId4"/>
+              </a:rPr>
+              <a:t>Technology Choices</a:t>
+            </a:r>
+            <a:r>
+              <a:rPr lang="en-US" sz="1765" dirty="0">
+                <a:solidFill>
+                  <a:schemeClr val="tx1">
+                    <a:lumMod val="50000"/>
+                  </a:schemeClr>
+                </a:solidFill>
+              </a:rPr>
+              <a:t> for implementing architecture styles.</a:t>
+            </a:r>
+          </a:p>
+          <a:p>
+            <a:pPr>
+              <a:lnSpc>
+                <a:spcPct val="100000"/>
+              </a:lnSpc>
+            </a:pPr>
+            <a:r>
+              <a:rPr lang="en-US" sz="1765" dirty="0">
+                <a:solidFill>
+                  <a:schemeClr val="tx1">
+                    <a:lumMod val="50000"/>
+                  </a:schemeClr>
+                </a:solidFill>
+              </a:rPr>
+              <a:t>Recognize Azure services that can be used for compute and data services</a:t>
+            </a:r>
+          </a:p>
+          <a:p>
+            <a:pPr marL="0" indent="0">
+              <a:buNone/>
+            </a:pPr>
+            <a:endParaRPr lang="en-US" sz="882" dirty="0">
+              <a:solidFill>
+                <a:schemeClr val="tx1">
+                  <a:lumMod val="50000"/>
+                </a:schemeClr>
+              </a:solidFill>
+            </a:endParaRPr>
+          </a:p>
+          <a:p>
+            <a:pPr marL="0" indent="0">
+              <a:buNone/>
+            </a:pPr>
+            <a:r>
+              <a:rPr lang="en-US" sz="882" dirty="0">
+                <a:solidFill>
+                  <a:schemeClr val="tx1">
+                    <a:lumMod val="50000"/>
+                  </a:schemeClr>
+                </a:solidFill>
+              </a:rPr>
+              <a:t>Reference: </a:t>
+            </a:r>
+            <a:r>
+              <a:rPr lang="en-US" sz="882" dirty="0">
+                <a:solidFill>
+                  <a:schemeClr val="tx1">
+                    <a:lumMod val="50000"/>
+                  </a:schemeClr>
+                </a:solidFill>
+                <a:hlinkClick r:id="rId5"/>
+              </a:rPr>
+              <a:t>https://docs.microsoft.com/en-us/azure/architecture/</a:t>
+            </a:r>
+            <a:endParaRPr lang="en-US" sz="882" dirty="0">
+              <a:solidFill>
+                <a:schemeClr val="tx1">
+                  <a:lumMod val="50000"/>
+                </a:schemeClr>
+              </a:solidFill>
+            </a:endParaRPr>
+          </a:p>
+        </p:txBody>
+      </p:sp>
+      <p:pic>
+        <p:nvPicPr>
+          <p:cNvPr id="6" name="Picture 5">
+            <a:extLst>
+              <a:ext uri="{FF2B5EF4-FFF2-40B4-BE49-F238E27FC236}">
+                <a16:creationId xmlns:a16="http://schemas.microsoft.com/office/drawing/2014/main" id="{EB7E39E5-53A3-47AE-ABA0-B32A6E88F025}"/>
+              </a:ext>
+            </a:extLst>
+          </p:cNvPr>
+          <p:cNvPicPr>
+            <a:picLocks noChangeAspect="1"/>
+          </p:cNvPicPr>
+          <p:nvPr/>
+        </p:nvPicPr>
+        <p:blipFill>
+          <a:blip r:embed="rId6"/>
+          <a:stretch>
+            <a:fillRect/>
+          </a:stretch>
+        </p:blipFill>
+        <p:spPr>
+          <a:xfrm>
+            <a:off x="5244319" y="2028336"/>
+            <a:ext cx="3592703" cy="3641726"/>
+          </a:xfrm>
+          <a:prstGeom prst="rect">
+            <a:avLst/>
+          </a:prstGeom>
+        </p:spPr>
+      </p:pic>
+    </p:spTree>
+    <p:extLst>
+      <p:ext uri="{BB962C8B-B14F-4D97-AF65-F5344CB8AC3E}">
+        <p14:creationId xmlns:p14="http://schemas.microsoft.com/office/powerpoint/2010/main" val="3847340518"/>
+      </p:ext>
+    </p:extLst>
+  </p:cSld>
+  <p:clrMapOvr>
+    <a:masterClrMapping/>
+  </p:clrMapOvr>
+  <mc:AlternateContent xmlns:mc="http://schemas.openxmlformats.org/markup-compatibility/2006" xmlns:p14="http://schemas.microsoft.com/office/powerpoint/2010/main">
+    <mc:Choice Requires="p14">
+      <p:transition spd="med" p14:dur="700">
+        <p:fade/>
+      </p:transition>
+    </mc:Choice>
+    <mc:Fallback xmlns="">
+      <p:transition spd="med">
+        <p:fade/>
+      </p:transition>
+    </mc:Fallback>
+  </mc:AlternateContent>
+</p:sld>
+</file>
+
+<file path=ppt/slides/slide11.xml><?xml version="1.0" encoding="utf-8"?>
+<p:sld xmlns:a="http://schemas.openxmlformats.org/drawingml/2006/main" xmlns:r="http://schemas.openxmlformats.org/officeDocument/2006/relationships" xmlns:p="http://schemas.openxmlformats.org/presentationml/2006/main">
+  <p:cSld>
+    <p:spTree>
+      <p:nvGrpSpPr>
+        <p:cNvPr id="1" name=""/>
+        <p:cNvGrpSpPr/>
+        <p:nvPr/>
+      </p:nvGrpSpPr>
+      <p:grpSpPr>
+        <a:xfrm>
+          <a:off x="0" y="0"/>
+          <a:ext cx="0" cy="0"/>
+          <a:chOff x="0" y="0"/>
+          <a:chExt cx="0" cy="0"/>
+        </a:xfrm>
+      </p:grpSpPr>
+      <p:sp>
+        <p:nvSpPr>
+          <p:cNvPr id="17" name="Title 16"/>
+          <p:cNvSpPr>
+            <a:spLocks noGrp="1"/>
+          </p:cNvSpPr>
+          <p:nvPr>
+            <p:ph type="title"/>
+          </p:nvPr>
+        </p:nvSpPr>
+        <p:spPr/>
+        <p:txBody>
+          <a:bodyPr/>
+          <a:lstStyle/>
+          <a:p>
+            <a:r>
+              <a:rPr lang="en-US" dirty="0"/>
+              <a:t>Lab Setup: Architecture Styles</a:t>
+            </a:r>
+          </a:p>
+        </p:txBody>
+      </p:sp>
+      <p:sp>
+        <p:nvSpPr>
+          <p:cNvPr id="5" name="Content Placeholder 4">
+            <a:extLst>
+              <a:ext uri="{FF2B5EF4-FFF2-40B4-BE49-F238E27FC236}">
+                <a16:creationId xmlns:a16="http://schemas.microsoft.com/office/drawing/2014/main" id="{06F5B6FB-6301-4A7C-8FB8-24C5E6B95B60}"/>
+              </a:ext>
+            </a:extLst>
+          </p:cNvPr>
+          <p:cNvSpPr>
+            <a:spLocks noGrp="1"/>
+          </p:cNvSpPr>
+          <p:nvPr>
+            <p:ph sz="half" idx="2"/>
+          </p:nvPr>
+        </p:nvSpPr>
+        <p:spPr>
+          <a:xfrm>
+            <a:off x="1731955" y="1202685"/>
+            <a:ext cx="4040188" cy="4520372"/>
+          </a:xfrm>
+        </p:spPr>
+        <p:txBody>
+          <a:bodyPr/>
+          <a:lstStyle/>
+          <a:p>
+            <a:pPr marL="0" lvl="0" indent="0">
+              <a:buNone/>
+            </a:pPr>
+            <a:r>
+              <a:rPr lang="en-US" sz="1800" dirty="0">
+                <a:solidFill>
+                  <a:srgbClr val="000000"/>
+                </a:solidFill>
+                <a:hlinkClick r:id="rId3"/>
+              </a:rPr>
+              <a:t>N-tier</a:t>
+            </a:r>
+            <a:endParaRPr lang="en-US" sz="1800" dirty="0">
+              <a:solidFill>
+                <a:srgbClr val="000000"/>
+              </a:solidFill>
+            </a:endParaRPr>
+          </a:p>
+          <a:p>
+            <a:pPr marL="252134" lvl="1" indent="-252134"/>
+            <a:r>
+              <a:rPr lang="en-US" sz="1050" dirty="0">
+                <a:solidFill>
+                  <a:srgbClr val="000000"/>
+                </a:solidFill>
+              </a:rPr>
+              <a:t>Traditional enterprise architecture</a:t>
+            </a:r>
+          </a:p>
+          <a:p>
+            <a:pPr marL="252134" lvl="1" indent="-252134"/>
+            <a:r>
+              <a:rPr lang="en-US" sz="1050" dirty="0">
+                <a:solidFill>
+                  <a:srgbClr val="000000"/>
+                </a:solidFill>
+              </a:rPr>
+              <a:t>Ideal for lift-and-shift</a:t>
+            </a:r>
+          </a:p>
+          <a:p>
+            <a:pPr marL="0" lvl="0" indent="0">
+              <a:buNone/>
+            </a:pPr>
+            <a:r>
+              <a:rPr lang="en-US" sz="1800" dirty="0">
+                <a:solidFill>
+                  <a:srgbClr val="000000"/>
+                </a:solidFill>
+                <a:hlinkClick r:id="rId4"/>
+              </a:rPr>
+              <a:t>Web-Queue-Worker</a:t>
+            </a:r>
+            <a:endParaRPr lang="en-US" sz="1800" dirty="0">
+              <a:solidFill>
+                <a:srgbClr val="000000"/>
+              </a:solidFill>
+            </a:endParaRPr>
+          </a:p>
+          <a:p>
+            <a:pPr marL="252134" lvl="1" indent="-252134"/>
+            <a:r>
+              <a:rPr lang="en-US" sz="1050" dirty="0">
+                <a:solidFill>
+                  <a:srgbClr val="000000"/>
+                </a:solidFill>
+              </a:rPr>
+              <a:t>PaaS solutions</a:t>
+            </a:r>
+          </a:p>
+          <a:p>
+            <a:pPr marL="252134" lvl="1" indent="-252134"/>
+            <a:r>
+              <a:rPr lang="en-US" sz="1050" dirty="0">
+                <a:solidFill>
+                  <a:srgbClr val="000000"/>
+                </a:solidFill>
+              </a:rPr>
+              <a:t>Relies on asynchronous messaging</a:t>
+            </a:r>
+          </a:p>
+          <a:p>
+            <a:pPr marL="0" lvl="0" indent="0">
+              <a:buNone/>
+            </a:pPr>
+            <a:r>
+              <a:rPr lang="en-US" sz="1800" dirty="0">
+                <a:solidFill>
+                  <a:srgbClr val="000000"/>
+                </a:solidFill>
+                <a:hlinkClick r:id="rId5"/>
+              </a:rPr>
+              <a:t>Microservices</a:t>
+            </a:r>
+            <a:endParaRPr lang="en-US" sz="1800" dirty="0">
+              <a:solidFill>
+                <a:srgbClr val="000000"/>
+              </a:solidFill>
+            </a:endParaRPr>
+          </a:p>
+          <a:p>
+            <a:pPr marL="252134" lvl="1" indent="-252134"/>
+            <a:r>
+              <a:rPr lang="en-US" sz="1050" dirty="0">
+                <a:solidFill>
+                  <a:srgbClr val="000000"/>
+                </a:solidFill>
+              </a:rPr>
+              <a:t>Many small, independent services</a:t>
+            </a:r>
+          </a:p>
+          <a:p>
+            <a:pPr marL="252134" lvl="1" indent="-252134"/>
+            <a:r>
+              <a:rPr lang="en-US" sz="1050" dirty="0">
+                <a:solidFill>
+                  <a:srgbClr val="000000"/>
+                </a:solidFill>
+              </a:rPr>
+              <a:t>Requires mature DevOps processes</a:t>
+            </a:r>
+          </a:p>
+          <a:p>
+            <a:pPr marL="0" lvl="0" indent="0">
+              <a:buNone/>
+            </a:pPr>
+            <a:r>
+              <a:rPr lang="en-US" sz="1800" dirty="0">
+                <a:solidFill>
+                  <a:srgbClr val="000000"/>
+                </a:solidFill>
+                <a:hlinkClick r:id="rId6"/>
+              </a:rPr>
+              <a:t>CQRS</a:t>
+            </a:r>
+            <a:r>
+              <a:rPr lang="en-US" sz="1800" dirty="0">
+                <a:solidFill>
+                  <a:srgbClr val="000000"/>
+                </a:solidFill>
+              </a:rPr>
+              <a:t> </a:t>
+            </a:r>
+            <a:r>
+              <a:rPr lang="en-US" sz="1050" dirty="0">
+                <a:solidFill>
+                  <a:srgbClr val="000000"/>
+                </a:solidFill>
+              </a:rPr>
+              <a:t>(Command and Query Responsibility Segregation)</a:t>
+            </a:r>
+          </a:p>
+          <a:p>
+            <a:pPr marL="252134" lvl="1" indent="-252134"/>
+            <a:r>
+              <a:rPr lang="en-US" sz="1050" dirty="0">
+                <a:solidFill>
+                  <a:srgbClr val="000000"/>
+                </a:solidFill>
+              </a:rPr>
+              <a:t>Scale the read and write workloads independently; Large Scale</a:t>
+            </a:r>
+          </a:p>
+          <a:p>
+            <a:pPr marL="252134" lvl="1" indent="-252134"/>
+            <a:r>
+              <a:rPr lang="en-US" sz="1050" dirty="0">
+                <a:solidFill>
+                  <a:srgbClr val="000000"/>
+                </a:solidFill>
+              </a:rPr>
+              <a:t>For collaborative domains where many users access the same data</a:t>
+            </a:r>
+          </a:p>
+          <a:p>
+            <a:pPr marL="0" lvl="1" indent="0">
+              <a:buNone/>
+            </a:pPr>
+            <a:r>
+              <a:rPr lang="en-US" sz="1800" dirty="0">
+                <a:solidFill>
+                  <a:srgbClr val="000000"/>
+                </a:solidFill>
+                <a:hlinkClick r:id="rId7"/>
+              </a:rPr>
+              <a:t>Event-driven</a:t>
+            </a:r>
+            <a:endParaRPr lang="en-US" sz="1800" dirty="0">
+              <a:solidFill>
+                <a:srgbClr val="000000"/>
+              </a:solidFill>
+            </a:endParaRPr>
+          </a:p>
+          <a:p>
+            <a:pPr marL="252134" lvl="1" indent="-252134"/>
+            <a:r>
+              <a:rPr lang="en-US" sz="1050" dirty="0">
+                <a:solidFill>
+                  <a:srgbClr val="000000"/>
+                </a:solidFill>
+              </a:rPr>
+              <a:t>Producers publish, consumers subscribe</a:t>
+            </a:r>
+          </a:p>
+          <a:p>
+            <a:pPr marL="252134" lvl="1" indent="-252134"/>
+            <a:r>
+              <a:rPr lang="en-US" sz="1050" dirty="0">
+                <a:solidFill>
+                  <a:srgbClr val="000000"/>
+                </a:solidFill>
+              </a:rPr>
+              <a:t>Common with large data volumes (e.g. IoT)</a:t>
+            </a:r>
+          </a:p>
+          <a:p>
+            <a:pPr marL="0" lvl="0" indent="0">
+              <a:buNone/>
+            </a:pPr>
+            <a:r>
+              <a:rPr lang="en-US" sz="1800" dirty="0">
+                <a:solidFill>
+                  <a:srgbClr val="000000"/>
+                </a:solidFill>
+                <a:hlinkClick r:id="rId8"/>
+              </a:rPr>
+              <a:t>Big Data</a:t>
+            </a:r>
+            <a:r>
+              <a:rPr lang="en-US" sz="1800" dirty="0">
+                <a:solidFill>
+                  <a:srgbClr val="000000"/>
+                </a:solidFill>
+              </a:rPr>
+              <a:t> &amp; </a:t>
+            </a:r>
+            <a:r>
+              <a:rPr lang="en-US" sz="1800" dirty="0">
+                <a:solidFill>
+                  <a:srgbClr val="000000"/>
+                </a:solidFill>
+                <a:hlinkClick r:id="rId9"/>
+              </a:rPr>
+              <a:t>Big Compute</a:t>
+            </a:r>
+            <a:endParaRPr lang="en-US" sz="1800" dirty="0">
+              <a:solidFill>
+                <a:srgbClr val="000000"/>
+              </a:solidFill>
+            </a:endParaRPr>
+          </a:p>
+          <a:p>
+            <a:pPr marL="252134" lvl="1" indent="-252134"/>
+            <a:r>
+              <a:rPr lang="en-US" sz="1050" dirty="0">
+                <a:solidFill>
+                  <a:srgbClr val="000000"/>
+                </a:solidFill>
+              </a:rPr>
+              <a:t>Parallel processing of chunks across large dataset</a:t>
+            </a:r>
+          </a:p>
+          <a:p>
+            <a:pPr marL="252134" lvl="1" indent="-252134"/>
+            <a:r>
+              <a:rPr lang="en-US" sz="1050" dirty="0">
+                <a:solidFill>
+                  <a:srgbClr val="000000"/>
+                </a:solidFill>
+              </a:rPr>
+              <a:t>Parallel computations across large number of cores</a:t>
+            </a:r>
+          </a:p>
+          <a:p>
+            <a:endParaRPr lang="en-US" sz="1800" dirty="0"/>
+          </a:p>
+        </p:txBody>
+      </p:sp>
+      <p:sp>
+        <p:nvSpPr>
+          <p:cNvPr id="7" name="Text Placeholder 6">
+            <a:extLst>
+              <a:ext uri="{FF2B5EF4-FFF2-40B4-BE49-F238E27FC236}">
+                <a16:creationId xmlns:a16="http://schemas.microsoft.com/office/drawing/2014/main" id="{7619CFC0-9BA0-4298-9248-B0771249D2FC}"/>
+              </a:ext>
+            </a:extLst>
+          </p:cNvPr>
+          <p:cNvSpPr>
+            <a:spLocks noGrp="1"/>
+          </p:cNvSpPr>
+          <p:nvPr>
+            <p:ph type="body" sz="quarter" idx="3"/>
+          </p:nvPr>
+        </p:nvSpPr>
+        <p:spPr/>
+        <p:txBody>
+          <a:bodyPr/>
+          <a:lstStyle/>
+          <a:p>
+            <a:r>
+              <a:rPr lang="en-US" dirty="0"/>
+              <a:t>Design Considerations</a:t>
+            </a:r>
+          </a:p>
+        </p:txBody>
+      </p:sp>
+      <p:sp>
+        <p:nvSpPr>
+          <p:cNvPr id="8" name="Content Placeholder 7">
+            <a:extLst>
+              <a:ext uri="{FF2B5EF4-FFF2-40B4-BE49-F238E27FC236}">
+                <a16:creationId xmlns:a16="http://schemas.microsoft.com/office/drawing/2014/main" id="{63686C54-03C3-4EBF-8145-F87BEC050BE5}"/>
+              </a:ext>
+            </a:extLst>
+          </p:cNvPr>
+          <p:cNvSpPr>
+            <a:spLocks noGrp="1"/>
+          </p:cNvSpPr>
+          <p:nvPr>
+            <p:ph sz="quarter" idx="4"/>
+          </p:nvPr>
+        </p:nvSpPr>
+        <p:spPr>
+          <a:xfrm>
+            <a:off x="4645025" y="1572047"/>
+            <a:ext cx="4041775" cy="2517979"/>
+          </a:xfrm>
+        </p:spPr>
+        <p:txBody>
+          <a:bodyPr/>
+          <a:lstStyle/>
+          <a:p>
+            <a:r>
+              <a:rPr lang="en-US" sz="1800" dirty="0"/>
+              <a:t>Scale</a:t>
+            </a:r>
+          </a:p>
+          <a:p>
+            <a:r>
+              <a:rPr lang="en-US" sz="1800" dirty="0"/>
+              <a:t>Complexity</a:t>
+            </a:r>
+          </a:p>
+          <a:p>
+            <a:r>
+              <a:rPr lang="en-US" sz="1800" dirty="0"/>
+              <a:t>Cost</a:t>
+            </a:r>
+          </a:p>
+          <a:p>
+            <a:r>
+              <a:rPr lang="en-US" sz="1800" dirty="0"/>
+              <a:t>Manageability</a:t>
+            </a:r>
+          </a:p>
+          <a:p>
+            <a:r>
+              <a:rPr lang="en-US" sz="1800" dirty="0"/>
+              <a:t>Service-Level Agreement</a:t>
+            </a:r>
+            <a:endParaRPr lang="en-US" sz="1050" dirty="0"/>
+          </a:p>
+        </p:txBody>
+      </p:sp>
+      <p:sp>
+        <p:nvSpPr>
+          <p:cNvPr id="9" name="Text Placeholder 8">
+            <a:extLst>
+              <a:ext uri="{FF2B5EF4-FFF2-40B4-BE49-F238E27FC236}">
+                <a16:creationId xmlns:a16="http://schemas.microsoft.com/office/drawing/2014/main" id="{D837D2E7-8381-49D4-92D6-2DBA461E5A18}"/>
+              </a:ext>
+            </a:extLst>
+          </p:cNvPr>
+          <p:cNvSpPr>
+            <a:spLocks noGrp="1"/>
+          </p:cNvSpPr>
+          <p:nvPr>
+            <p:ph type="body" sz="quarter" idx="10"/>
+          </p:nvPr>
+        </p:nvSpPr>
+        <p:spPr>
+          <a:xfrm>
+            <a:off x="5477391" y="5847686"/>
+            <a:ext cx="3522467" cy="309876"/>
+          </a:xfrm>
+        </p:spPr>
+        <p:txBody>
+          <a:bodyPr/>
+          <a:lstStyle/>
+          <a:p>
+            <a:r>
+              <a:rPr lang="en-US" dirty="0">
+                <a:solidFill>
+                  <a:schemeClr val="tx1">
+                    <a:lumMod val="50000"/>
+                  </a:schemeClr>
+                </a:solidFill>
+              </a:rPr>
+              <a:t>Reference: </a:t>
+            </a:r>
+            <a:r>
+              <a:rPr lang="en-US" dirty="0">
+                <a:solidFill>
+                  <a:schemeClr val="tx1">
+                    <a:lumMod val="50000"/>
+                  </a:schemeClr>
+                </a:solidFill>
+                <a:hlinkClick r:id="rId10"/>
+              </a:rPr>
+              <a:t>https://docs.microsoft.com/en-us/azure/architecture/guide/</a:t>
+            </a:r>
+            <a:r>
+              <a:rPr lang="en-US" dirty="0">
+                <a:solidFill>
+                  <a:schemeClr val="tx1">
+                    <a:lumMod val="50000"/>
+                  </a:schemeClr>
+                </a:solidFill>
+              </a:rPr>
+              <a:t> </a:t>
+            </a:r>
+            <a:endParaRPr lang="en-US" dirty="0"/>
+          </a:p>
+        </p:txBody>
+      </p:sp>
+      <p:sp>
+        <p:nvSpPr>
+          <p:cNvPr id="2" name="Rectangle 1">
+            <a:extLst>
+              <a:ext uri="{FF2B5EF4-FFF2-40B4-BE49-F238E27FC236}">
+                <a16:creationId xmlns:a16="http://schemas.microsoft.com/office/drawing/2014/main" id="{CFCDB16A-48BE-42F0-AD58-3970A68EC5C1}"/>
+              </a:ext>
+            </a:extLst>
+          </p:cNvPr>
+          <p:cNvSpPr/>
+          <p:nvPr/>
+        </p:nvSpPr>
+        <p:spPr>
+          <a:xfrm>
+            <a:off x="5963870" y="3896596"/>
+            <a:ext cx="3180130" cy="1938992"/>
+          </a:xfrm>
+          <a:prstGeom prst="rect">
+            <a:avLst/>
+          </a:prstGeom>
+        </p:spPr>
+        <p:txBody>
+          <a:bodyPr wrap="square">
+            <a:spAutoFit/>
+          </a:bodyPr>
+          <a:lstStyle/>
+          <a:p>
+            <a:pPr>
+              <a:lnSpc>
+                <a:spcPct val="100000"/>
+              </a:lnSpc>
+            </a:pPr>
+            <a:r>
+              <a:rPr lang="en-US" sz="1200" u="sng" dirty="0">
+                <a:solidFill>
+                  <a:schemeClr val="tx1">
+                    <a:lumMod val="50000"/>
+                  </a:schemeClr>
+                </a:solidFill>
+                <a:hlinkClick r:id="rId11"/>
+              </a:rPr>
+              <a:t>Architecture Styles</a:t>
+            </a:r>
+            <a:endParaRPr lang="en-US" sz="1200" u="sng" dirty="0">
+              <a:solidFill>
+                <a:schemeClr val="tx1">
+                  <a:lumMod val="50000"/>
+                </a:schemeClr>
+              </a:solidFill>
+            </a:endParaRPr>
+          </a:p>
+          <a:p>
+            <a:pPr marL="285750" indent="-285750">
+              <a:lnSpc>
+                <a:spcPct val="100000"/>
+              </a:lnSpc>
+              <a:buFont typeface="Arial" panose="020B0604020202020204" pitchFamily="34" charset="0"/>
+              <a:buChar char="•"/>
+            </a:pPr>
+            <a:r>
+              <a:rPr lang="en-US" sz="1200" dirty="0">
+                <a:solidFill>
+                  <a:schemeClr val="tx1">
+                    <a:lumMod val="50000"/>
+                  </a:schemeClr>
+                </a:solidFill>
+              </a:rPr>
+              <a:t>Know when to choose a particular style, based on benefits, challenges, and best practices</a:t>
+            </a:r>
+          </a:p>
+          <a:p>
+            <a:pPr>
+              <a:lnSpc>
+                <a:spcPct val="100000"/>
+              </a:lnSpc>
+            </a:pPr>
+            <a:r>
+              <a:rPr lang="en-US" sz="1200" dirty="0">
+                <a:solidFill>
+                  <a:schemeClr val="tx1">
+                    <a:lumMod val="50000"/>
+                  </a:schemeClr>
+                </a:solidFill>
+                <a:hlinkClick r:id="rId12"/>
+              </a:rPr>
+              <a:t>Technology Choices</a:t>
+            </a:r>
+            <a:endParaRPr lang="en-US" sz="1200" dirty="0">
+              <a:solidFill>
+                <a:schemeClr val="tx1">
+                  <a:lumMod val="50000"/>
+                </a:schemeClr>
+              </a:solidFill>
+            </a:endParaRPr>
+          </a:p>
+          <a:p>
+            <a:pPr marL="285750" indent="-285750">
+              <a:lnSpc>
+                <a:spcPct val="100000"/>
+              </a:lnSpc>
+              <a:buFont typeface="Arial" panose="020B0604020202020204" pitchFamily="34" charset="0"/>
+              <a:buChar char="•"/>
+            </a:pPr>
+            <a:r>
+              <a:rPr lang="en-US" sz="1200" dirty="0">
+                <a:solidFill>
+                  <a:schemeClr val="tx1">
+                    <a:lumMod val="50000"/>
+                  </a:schemeClr>
+                </a:solidFill>
+              </a:rPr>
+              <a:t>Recognize Azure services that can be used for compute and data services</a:t>
+            </a:r>
+          </a:p>
+          <a:p>
+            <a:pPr marL="0" indent="0">
+              <a:buNone/>
+            </a:pPr>
+            <a:endParaRPr lang="en-US" sz="1200" dirty="0">
+              <a:solidFill>
+                <a:schemeClr val="tx1">
+                  <a:lumMod val="50000"/>
+                </a:schemeClr>
+              </a:solidFill>
+            </a:endParaRPr>
+          </a:p>
+        </p:txBody>
+      </p:sp>
+      <p:sp>
+        <p:nvSpPr>
+          <p:cNvPr id="11" name="AutoShape 4" descr="https://docs.microsoft.com/en-us/azure/architecture/guide/architecture-styles/images/n-tier-sketch.svg">
+            <a:extLst>
+              <a:ext uri="{FF2B5EF4-FFF2-40B4-BE49-F238E27FC236}">
+                <a16:creationId xmlns:a16="http://schemas.microsoft.com/office/drawing/2014/main" id="{31484CD6-ABAD-46F3-89D3-11F1D26C6CCD}"/>
+              </a:ext>
+            </a:extLst>
+          </p:cNvPr>
+          <p:cNvSpPr>
+            <a:spLocks noChangeAspect="1" noChangeArrowheads="1"/>
+          </p:cNvSpPr>
+          <p:nvPr/>
+        </p:nvSpPr>
+        <p:spPr bwMode="auto">
+          <a:xfrm>
+            <a:off x="3806246" y="2663246"/>
+            <a:ext cx="918154" cy="918154"/>
+          </a:xfrm>
+          <a:prstGeom prst="rect">
+            <a:avLst/>
+          </a:prstGeom>
+          <a:noFill/>
+          <a:extLst>
+            <a:ext uri="{909E8E84-426E-40DD-AFC4-6F175D3DCCD1}">
+              <a14:hiddenFill xmlns:a14="http://schemas.microsoft.com/office/drawing/2010/main">
+                <a:solidFill>
+                  <a:srgbClr val="FFFFFF"/>
+                </a:solidFill>
+              </a14:hiddenFill>
+            </a:ext>
+          </a:extLst>
+        </p:spPr>
+        <p:txBody>
+          <a:bodyPr vert="horz" wrap="square" lIns="91440" tIns="45720" rIns="91440" bIns="45720" numCol="1" anchor="t" anchorCtr="0" compatLnSpc="1">
+            <a:prstTxWarp prst="textNoShape">
+              <a:avLst/>
+            </a:prstTxWarp>
+          </a:bodyPr>
+          <a:lstStyle/>
+          <a:p>
+            <a:endParaRPr lang="en-US"/>
+          </a:p>
+        </p:txBody>
+      </p:sp>
+      <p:pic>
+        <p:nvPicPr>
+          <p:cNvPr id="15" name="Graphic 14">
+            <a:extLst>
+              <a:ext uri="{FF2B5EF4-FFF2-40B4-BE49-F238E27FC236}">
+                <a16:creationId xmlns:a16="http://schemas.microsoft.com/office/drawing/2014/main" id="{3159AC27-070E-4414-B439-604CB9996D61}"/>
+              </a:ext>
+            </a:extLst>
+          </p:cNvPr>
+          <p:cNvPicPr>
+            <a:picLocks noChangeAspect="1"/>
+          </p:cNvPicPr>
+          <p:nvPr/>
+        </p:nvPicPr>
+        <p:blipFill>
+          <a:blip r:embed="rId13">
+            <a:extLst>
+              <a:ext uri="{28A0092B-C50C-407E-A947-70E740481C1C}">
+                <a14:useLocalDpi xmlns:a14="http://schemas.microsoft.com/office/drawing/2010/main" val="0"/>
+              </a:ext>
+              <a:ext uri="{96DAC541-7B7A-43D3-8B79-37D633B846F1}">
+                <asvg:svgBlip xmlns:asvg="http://schemas.microsoft.com/office/drawing/2016/SVG/main" r:embed="rId14"/>
+              </a:ext>
+            </a:extLst>
+          </a:blip>
+          <a:stretch>
+            <a:fillRect/>
+          </a:stretch>
+        </p:blipFill>
+        <p:spPr>
+          <a:xfrm>
+            <a:off x="287908" y="1139619"/>
+            <a:ext cx="1277194" cy="766316"/>
+          </a:xfrm>
+          <a:prstGeom prst="rect">
+            <a:avLst/>
+          </a:prstGeom>
+        </p:spPr>
+      </p:pic>
+      <p:pic>
+        <p:nvPicPr>
+          <p:cNvPr id="18" name="Graphic 17">
+            <a:extLst>
+              <a:ext uri="{FF2B5EF4-FFF2-40B4-BE49-F238E27FC236}">
+                <a16:creationId xmlns:a16="http://schemas.microsoft.com/office/drawing/2014/main" id="{501ACEA7-F338-4534-96FD-5D633DBBDE38}"/>
+              </a:ext>
+            </a:extLst>
+          </p:cNvPr>
+          <p:cNvPicPr>
+            <a:picLocks noChangeAspect="1"/>
+          </p:cNvPicPr>
+          <p:nvPr/>
+        </p:nvPicPr>
+        <p:blipFill>
+          <a:blip r:embed="rId15">
+            <a:extLst>
+              <a:ext uri="{28A0092B-C50C-407E-A947-70E740481C1C}">
+                <a14:useLocalDpi xmlns:a14="http://schemas.microsoft.com/office/drawing/2010/main" val="0"/>
+              </a:ext>
+              <a:ext uri="{96DAC541-7B7A-43D3-8B79-37D633B846F1}">
+                <asvg:svgBlip xmlns:asvg="http://schemas.microsoft.com/office/drawing/2016/SVG/main" r:embed="rId16"/>
+              </a:ext>
+            </a:extLst>
+          </a:blip>
+          <a:stretch>
+            <a:fillRect/>
+          </a:stretch>
+        </p:blipFill>
+        <p:spPr>
+          <a:xfrm>
+            <a:off x="112611" y="1997151"/>
+            <a:ext cx="1434474" cy="860684"/>
+          </a:xfrm>
+          <a:prstGeom prst="rect">
+            <a:avLst/>
+          </a:prstGeom>
+        </p:spPr>
+      </p:pic>
+      <p:pic>
+        <p:nvPicPr>
+          <p:cNvPr id="20" name="Graphic 19">
+            <a:extLst>
+              <a:ext uri="{FF2B5EF4-FFF2-40B4-BE49-F238E27FC236}">
+                <a16:creationId xmlns:a16="http://schemas.microsoft.com/office/drawing/2014/main" id="{5B8734D2-3F76-44FC-96A0-534FEB7FAB60}"/>
+              </a:ext>
+            </a:extLst>
+          </p:cNvPr>
+          <p:cNvPicPr>
+            <a:picLocks noChangeAspect="1"/>
+          </p:cNvPicPr>
+          <p:nvPr/>
+        </p:nvPicPr>
+        <p:blipFill>
+          <a:blip r:embed="rId17">
+            <a:extLst>
+              <a:ext uri="{28A0092B-C50C-407E-A947-70E740481C1C}">
+                <a14:useLocalDpi xmlns:a14="http://schemas.microsoft.com/office/drawing/2010/main" val="0"/>
+              </a:ext>
+              <a:ext uri="{96DAC541-7B7A-43D3-8B79-37D633B846F1}">
+                <asvg:svgBlip xmlns:asvg="http://schemas.microsoft.com/office/drawing/2016/SVG/main" r:embed="rId18"/>
+              </a:ext>
+            </a:extLst>
+          </a:blip>
+          <a:stretch>
+            <a:fillRect/>
+          </a:stretch>
+        </p:blipFill>
+        <p:spPr>
+          <a:xfrm>
+            <a:off x="238734" y="2908285"/>
+            <a:ext cx="1294837" cy="776902"/>
+          </a:xfrm>
+          <a:prstGeom prst="rect">
+            <a:avLst/>
+          </a:prstGeom>
+        </p:spPr>
+      </p:pic>
+      <p:pic>
+        <p:nvPicPr>
+          <p:cNvPr id="22" name="Graphic 21">
+            <a:extLst>
+              <a:ext uri="{FF2B5EF4-FFF2-40B4-BE49-F238E27FC236}">
+                <a16:creationId xmlns:a16="http://schemas.microsoft.com/office/drawing/2014/main" id="{E8551808-A980-47E4-B45B-FEB6B2AD3116}"/>
+              </a:ext>
+            </a:extLst>
+          </p:cNvPr>
+          <p:cNvPicPr>
+            <a:picLocks noChangeAspect="1"/>
+          </p:cNvPicPr>
+          <p:nvPr/>
+        </p:nvPicPr>
+        <p:blipFill>
+          <a:blip r:embed="rId19">
+            <a:extLst>
+              <a:ext uri="{28A0092B-C50C-407E-A947-70E740481C1C}">
+                <a14:useLocalDpi xmlns:a14="http://schemas.microsoft.com/office/drawing/2010/main" val="0"/>
+              </a:ext>
+              <a:ext uri="{96DAC541-7B7A-43D3-8B79-37D633B846F1}">
+                <asvg:svgBlip xmlns:asvg="http://schemas.microsoft.com/office/drawing/2016/SVG/main" r:embed="rId20"/>
+              </a:ext>
+            </a:extLst>
+          </a:blip>
+          <a:stretch>
+            <a:fillRect/>
+          </a:stretch>
+        </p:blipFill>
+        <p:spPr>
+          <a:xfrm>
+            <a:off x="216213" y="4648572"/>
+            <a:ext cx="1272315" cy="815303"/>
+          </a:xfrm>
+          <a:prstGeom prst="rect">
+            <a:avLst/>
+          </a:prstGeom>
+        </p:spPr>
+      </p:pic>
+      <p:pic>
+        <p:nvPicPr>
+          <p:cNvPr id="24" name="Graphic 23">
+            <a:extLst>
+              <a:ext uri="{FF2B5EF4-FFF2-40B4-BE49-F238E27FC236}">
+                <a16:creationId xmlns:a16="http://schemas.microsoft.com/office/drawing/2014/main" id="{C8DFFF52-3D57-49F2-940F-F1D74BE9EE89}"/>
+              </a:ext>
+            </a:extLst>
+          </p:cNvPr>
+          <p:cNvPicPr>
+            <a:picLocks noChangeAspect="1"/>
+          </p:cNvPicPr>
+          <p:nvPr/>
+        </p:nvPicPr>
+        <p:blipFill>
+          <a:blip r:embed="rId21">
+            <a:extLst>
+              <a:ext uri="{28A0092B-C50C-407E-A947-70E740481C1C}">
+                <a14:useLocalDpi xmlns:a14="http://schemas.microsoft.com/office/drawing/2010/main" val="0"/>
+              </a:ext>
+              <a:ext uri="{96DAC541-7B7A-43D3-8B79-37D633B846F1}">
+                <asvg:svgBlip xmlns:asvg="http://schemas.microsoft.com/office/drawing/2016/SVG/main" r:embed="rId22"/>
+              </a:ext>
+            </a:extLst>
+          </a:blip>
+          <a:stretch>
+            <a:fillRect/>
+          </a:stretch>
+        </p:blipFill>
+        <p:spPr>
+          <a:xfrm>
+            <a:off x="85584" y="3726111"/>
+            <a:ext cx="1543708" cy="895435"/>
+          </a:xfrm>
+          <a:prstGeom prst="rect">
+            <a:avLst/>
+          </a:prstGeom>
+        </p:spPr>
+      </p:pic>
+    </p:spTree>
+    <p:extLst>
+      <p:ext uri="{BB962C8B-B14F-4D97-AF65-F5344CB8AC3E}">
+        <p14:creationId xmlns:p14="http://schemas.microsoft.com/office/powerpoint/2010/main" val="2444002202"/>
+      </p:ext>
+    </p:extLst>
+  </p:cSld>
+  <p:clrMapOvr>
+    <a:masterClrMapping/>
+  </p:clrMapOvr>
+  <mc:AlternateContent xmlns:mc="http://schemas.openxmlformats.org/markup-compatibility/2006" xmlns:p14="http://schemas.microsoft.com/office/powerpoint/2010/main">
+    <mc:Choice Requires="p14">
+      <p:transition spd="med" p14:dur="700">
+        <p:fade/>
+      </p:transition>
+    </mc:Choice>
+    <mc:Fallback xmlns="">
+      <p:transition spd="med">
+        <p:fade/>
+      </p:transition>
+    </mc:Fallback>
+  </mc:AlternateContent>
+</p:sld>
+</file>
+
+<file path=ppt/slides/slide12.xml><?xml version="1.0" encoding="utf-8"?>
 <p:sld xmlns:a="http://schemas.openxmlformats.org/drawingml/2006/main" xmlns:r="http://schemas.openxmlformats.org/officeDocument/2006/relationships" xmlns:p="http://schemas.openxmlformats.org/presentationml/2006/main">
   <p:cSld>
     <p:spTree>
@@ -15369,7 +16728,7 @@
 </p:sld>
 </file>
 
-<file path=ppt/slides/slide11.xml><?xml version="1.0" encoding="utf-8"?>
+<file path=ppt/slides/slide13.xml><?xml version="1.0" encoding="utf-8"?>
 <p:sld xmlns:a="http://schemas.openxmlformats.org/drawingml/2006/main" xmlns:r="http://schemas.openxmlformats.org/officeDocument/2006/relationships" xmlns:p="http://schemas.openxmlformats.org/presentationml/2006/main">
   <p:cSld>
     <p:spTree>
@@ -15697,7 +17056,7 @@
 </p:sld>
 </file>
 
-<file path=ppt/slides/slide12.xml><?xml version="1.0" encoding="utf-8"?>
+<file path=ppt/slides/slide14.xml><?xml version="1.0" encoding="utf-8"?>
 <p:sld xmlns:a="http://schemas.openxmlformats.org/drawingml/2006/main" xmlns:r="http://schemas.openxmlformats.org/officeDocument/2006/relationships" xmlns:p="http://schemas.openxmlformats.org/presentationml/2006/main">
   <p:cSld>
     <p:spTree>
@@ -16310,7 +17669,7 @@
 </p:sld>
 </file>
 
-<file path=ppt/slides/slide13.xml><?xml version="1.0" encoding="utf-8"?>
+<file path=ppt/slides/slide15.xml><?xml version="1.0" encoding="utf-8"?>
 <p:sld xmlns:a="http://schemas.openxmlformats.org/drawingml/2006/main" xmlns:r="http://schemas.openxmlformats.org/officeDocument/2006/relationships" xmlns:p="http://schemas.openxmlformats.org/presentationml/2006/main">
   <p:cSld>
     <p:spTree>
@@ -16850,7 +18209,7 @@
 </p:sld>
 </file>
 
-<file path=ppt/slides/slide14.xml><?xml version="1.0" encoding="utf-8"?>
+<file path=ppt/slides/slide16.xml><?xml version="1.0" encoding="utf-8"?>
 <p:sld xmlns:a="http://schemas.openxmlformats.org/drawingml/2006/main" xmlns:r="http://schemas.openxmlformats.org/officeDocument/2006/relationships" xmlns:p="http://schemas.openxmlformats.org/presentationml/2006/main">
   <p:cSld>
     <p:spTree>
@@ -17265,7 +18624,7 @@
 </p:sld>
 </file>
 
-<file path=ppt/slides/slide15.xml><?xml version="1.0" encoding="utf-8"?>
+<file path=ppt/slides/slide17.xml><?xml version="1.0" encoding="utf-8"?>
 <p:sld xmlns:a="http://schemas.openxmlformats.org/drawingml/2006/main" xmlns:r="http://schemas.openxmlformats.org/officeDocument/2006/relationships" xmlns:p="http://schemas.openxmlformats.org/presentationml/2006/main">
   <p:cSld>
     <p:spTree>
@@ -18865,6 +20224,378 @@
           <p:cNvPr id="2" name="Title 1">
             <a:extLst>
               <a:ext uri="{FF2B5EF4-FFF2-40B4-BE49-F238E27FC236}">
+                <a16:creationId xmlns:a16="http://schemas.microsoft.com/office/drawing/2014/main" id="{BAB4A885-6F3D-4A3E-BAD8-8C5C85152381}"/>
+              </a:ext>
+            </a:extLst>
+          </p:cNvPr>
+          <p:cNvSpPr>
+            <a:spLocks noGrp="1"/>
+          </p:cNvSpPr>
+          <p:nvPr>
+            <p:ph type="title"/>
+          </p:nvPr>
+        </p:nvSpPr>
+        <p:spPr/>
+        <p:txBody>
+          <a:bodyPr/>
+          <a:lstStyle/>
+          <a:p>
+            <a:r>
+              <a:rPr lang="en-US" dirty="0"/>
+              <a:t>Security, Identity and Platform Services</a:t>
+            </a:r>
+          </a:p>
+        </p:txBody>
+      </p:sp>
+      <p:sp>
+        <p:nvSpPr>
+          <p:cNvPr id="3" name="Content Placeholder 2">
+            <a:extLst>
+              <a:ext uri="{FF2B5EF4-FFF2-40B4-BE49-F238E27FC236}">
+                <a16:creationId xmlns:a16="http://schemas.microsoft.com/office/drawing/2014/main" id="{7BBB29BE-86EF-457B-89CB-0D7B1382C162}"/>
+              </a:ext>
+            </a:extLst>
+          </p:cNvPr>
+          <p:cNvSpPr>
+            <a:spLocks noGrp="1"/>
+          </p:cNvSpPr>
+          <p:nvPr>
+            <p:ph idx="1"/>
+          </p:nvPr>
+        </p:nvSpPr>
+        <p:spPr/>
+        <p:txBody>
+          <a:bodyPr>
+            <a:normAutofit fontScale="92500" lnSpcReduction="10000"/>
+          </a:bodyPr>
+          <a:lstStyle/>
+          <a:p>
+            <a:r>
+              <a:rPr lang="en-US" b="1" dirty="0"/>
+              <a:t>Enable encryption on a running Windows VM </a:t>
+            </a:r>
+            <a:r>
+              <a:rPr lang="en-US" b="1" dirty="0">
+                <a:hlinkClick r:id="rId3"/>
+              </a:rPr>
+              <a:t>https://github.com/Azure/azure-quickstart-templates/tree/master/201-encrypt-running-windows-vm </a:t>
+            </a:r>
+            <a:endParaRPr lang="en-US" b="1" dirty="0"/>
+          </a:p>
+          <a:p>
+            <a:r>
+              <a:rPr lang="it-IT" b="1" dirty="0"/>
+              <a:t>Azure AD Dev Integration (.NET, Java, or Node.js) </a:t>
+            </a:r>
+            <a:r>
+              <a:rPr lang="it-IT" b="1" dirty="0">
+                <a:hlinkClick r:id="rId4"/>
+              </a:rPr>
+              <a:t>https://github.com/guruskill/70-534/blob/master/Labs/AzureADLab.md</a:t>
+            </a:r>
+            <a:endParaRPr lang="it-IT" b="1" dirty="0"/>
+          </a:p>
+          <a:p>
+            <a:r>
+              <a:rPr lang="en-US" b="1" dirty="0"/>
+              <a:t>Design Advanced Applications </a:t>
+            </a:r>
+            <a:r>
+              <a:rPr lang="en-US" b="1" dirty="0">
+                <a:hlinkClick r:id="rId5"/>
+              </a:rPr>
+              <a:t>https://github.com/guruskill/70-534/blob/master/Labs/AdvancedAppsLab.md</a:t>
+            </a:r>
+            <a:r>
+              <a:rPr lang="en-US" b="1" dirty="0"/>
+              <a:t> </a:t>
+            </a:r>
+          </a:p>
+          <a:p>
+            <a:r>
+              <a:rPr lang="en-US" b="1" dirty="0"/>
+              <a:t>Creating an Azure AD B2C and Connect an Application </a:t>
+            </a:r>
+            <a:r>
+              <a:rPr lang="en-US" b="1" dirty="0">
+                <a:hlinkClick r:id="rId6"/>
+              </a:rPr>
+              <a:t>https://github.com/guruskill/70-534/blob/master/Labs/AzureADB2CLab.md</a:t>
+            </a:r>
+            <a:r>
+              <a:rPr lang="en-US" b="1" dirty="0"/>
+              <a:t> </a:t>
+            </a:r>
+            <a:endParaRPr lang="en-US" dirty="0"/>
+          </a:p>
+        </p:txBody>
+      </p:sp>
+      <p:sp>
+        <p:nvSpPr>
+          <p:cNvPr id="4" name="Text Placeholder 3">
+            <a:extLst>
+              <a:ext uri="{FF2B5EF4-FFF2-40B4-BE49-F238E27FC236}">
+                <a16:creationId xmlns:a16="http://schemas.microsoft.com/office/drawing/2014/main" id="{530FE12F-2608-4EFC-A186-3AF01B4AD815}"/>
+              </a:ext>
+            </a:extLst>
+          </p:cNvPr>
+          <p:cNvSpPr>
+            <a:spLocks noGrp="1"/>
+          </p:cNvSpPr>
+          <p:nvPr>
+            <p:ph type="body" sz="quarter" idx="10"/>
+          </p:nvPr>
+        </p:nvSpPr>
+        <p:spPr/>
+        <p:txBody>
+          <a:bodyPr/>
+          <a:lstStyle/>
+          <a:p>
+            <a:endParaRPr lang="en-US"/>
+          </a:p>
+        </p:txBody>
+      </p:sp>
+    </p:spTree>
+    <p:extLst>
+      <p:ext uri="{BB962C8B-B14F-4D97-AF65-F5344CB8AC3E}">
+        <p14:creationId xmlns:p14="http://schemas.microsoft.com/office/powerpoint/2010/main" val="1550678012"/>
+      </p:ext>
+    </p:extLst>
+  </p:cSld>
+  <p:clrMapOvr>
+    <a:masterClrMapping/>
+  </p:clrMapOvr>
+</p:sld>
+</file>
+
+<file path=ppt/slides/slide8.xml><?xml version="1.0" encoding="utf-8"?>
+<p:sld xmlns:a="http://schemas.openxmlformats.org/drawingml/2006/main" xmlns:r="http://schemas.openxmlformats.org/officeDocument/2006/relationships" xmlns:p="http://schemas.openxmlformats.org/presentationml/2006/main">
+  <p:cSld>
+    <p:spTree>
+      <p:nvGrpSpPr>
+        <p:cNvPr id="1" name=""/>
+        <p:cNvGrpSpPr/>
+        <p:nvPr/>
+      </p:nvGrpSpPr>
+      <p:grpSpPr>
+        <a:xfrm>
+          <a:off x="0" y="0"/>
+          <a:ext cx="0" cy="0"/>
+          <a:chOff x="0" y="0"/>
+          <a:chExt cx="0" cy="0"/>
+        </a:xfrm>
+      </p:grpSpPr>
+      <p:sp>
+        <p:nvSpPr>
+          <p:cNvPr id="2" name="Title 1">
+            <a:extLst>
+              <a:ext uri="{FF2B5EF4-FFF2-40B4-BE49-F238E27FC236}">
+                <a16:creationId xmlns:a16="http://schemas.microsoft.com/office/drawing/2014/main" id="{EC1B4664-D300-4C20-86F6-7672D9AEFFC8}"/>
+              </a:ext>
+            </a:extLst>
+          </p:cNvPr>
+          <p:cNvSpPr>
+            <a:spLocks noGrp="1"/>
+          </p:cNvSpPr>
+          <p:nvPr>
+            <p:ph type="title"/>
+          </p:nvPr>
+        </p:nvSpPr>
+        <p:spPr/>
+        <p:txBody>
+          <a:bodyPr/>
+          <a:lstStyle/>
+          <a:p>
+            <a:r>
+              <a:rPr lang="en-US" dirty="0"/>
+              <a:t>Day 2 Labs</a:t>
+            </a:r>
+          </a:p>
+        </p:txBody>
+      </p:sp>
+      <p:sp>
+        <p:nvSpPr>
+          <p:cNvPr id="3" name="Content Placeholder 2">
+            <a:extLst>
+              <a:ext uri="{FF2B5EF4-FFF2-40B4-BE49-F238E27FC236}">
+                <a16:creationId xmlns:a16="http://schemas.microsoft.com/office/drawing/2014/main" id="{7A089668-A64D-4233-BCDB-FB43D4DEC516}"/>
+              </a:ext>
+            </a:extLst>
+          </p:cNvPr>
+          <p:cNvSpPr>
+            <a:spLocks noGrp="1"/>
+          </p:cNvSpPr>
+          <p:nvPr>
+            <p:ph idx="1"/>
+          </p:nvPr>
+        </p:nvSpPr>
+        <p:spPr/>
+        <p:txBody>
+          <a:bodyPr>
+            <a:normAutofit fontScale="77500" lnSpcReduction="20000"/>
+          </a:bodyPr>
+          <a:lstStyle/>
+          <a:p>
+            <a:r>
+              <a:rPr lang="en-US" b="1" dirty="0"/>
+              <a:t>Enable encryption on a running Windows VM </a:t>
+            </a:r>
+            <a:r>
+              <a:rPr lang="en-US" b="1" dirty="0">
+                <a:hlinkClick r:id="rId3"/>
+              </a:rPr>
+              <a:t>https://github.com/Azure/azure-quickstart-templates/tree/master/201-encrypt-running-windows-vm </a:t>
+            </a:r>
+            <a:endParaRPr lang="en-US" b="1" dirty="0"/>
+          </a:p>
+          <a:p>
+            <a:r>
+              <a:rPr lang="it-IT" b="1" dirty="0"/>
+              <a:t>Azure AD Dev Integration (.NET, Java, or Node.js) </a:t>
+            </a:r>
+            <a:r>
+              <a:rPr lang="it-IT" b="1" dirty="0">
+                <a:hlinkClick r:id="rId4"/>
+              </a:rPr>
+              <a:t>https://github.com/guruskill/70-534/blob/master/Labs/AzureADLab.md</a:t>
+            </a:r>
+            <a:endParaRPr lang="it-IT" b="1" dirty="0"/>
+          </a:p>
+          <a:p>
+            <a:r>
+              <a:rPr lang="en-US" b="1" dirty="0"/>
+              <a:t>Design Advanced Applications </a:t>
+            </a:r>
+            <a:r>
+              <a:rPr lang="en-US" b="1" dirty="0">
+                <a:hlinkClick r:id="rId5"/>
+              </a:rPr>
+              <a:t>https://github.com/guruskill/70-534/blob/master/Labs/AdvancedAppsLab.md</a:t>
+            </a:r>
+            <a:r>
+              <a:rPr lang="en-US" b="1" dirty="0"/>
+              <a:t> </a:t>
+            </a:r>
+          </a:p>
+          <a:p>
+            <a:r>
+              <a:rPr lang="en-US" b="1" dirty="0"/>
+              <a:t>Creating an Azure AD B2C and Connect an Application </a:t>
+            </a:r>
+            <a:r>
+              <a:rPr lang="en-US" b="1" dirty="0">
+                <a:hlinkClick r:id="rId6"/>
+              </a:rPr>
+              <a:t>https://github.com/guruskill/70-534/blob/master/Labs/AzureADB2CLab.md</a:t>
+            </a:r>
+            <a:r>
+              <a:rPr lang="en-US" b="1" dirty="0"/>
+              <a:t> </a:t>
+            </a:r>
+            <a:endParaRPr lang="en-US" dirty="0"/>
+          </a:p>
+          <a:p>
+            <a:r>
+              <a:rPr lang="en-US" b="1" dirty="0"/>
+              <a:t>Create an alert rule on a metric with the Azure portal </a:t>
+            </a:r>
+            <a:r>
+              <a:rPr lang="en-US" b="1" dirty="0">
+                <a:hlinkClick r:id="rId7"/>
+              </a:rPr>
+              <a:t>https://github.com/guruskill/70-534/blob/master/Labs/06-Monitoring-Create-Alerts.md</a:t>
+            </a:r>
+            <a:r>
+              <a:rPr lang="en-US" b="1" dirty="0"/>
+              <a:t> </a:t>
+            </a:r>
+            <a:endParaRPr lang="en-US" dirty="0"/>
+          </a:p>
+          <a:p>
+            <a:r>
+              <a:rPr lang="en-US" b="1" dirty="0"/>
+              <a:t>Azure Automation Account </a:t>
+            </a:r>
+            <a:r>
+              <a:rPr lang="en-US" b="1" dirty="0">
+                <a:hlinkClick r:id="rId8"/>
+              </a:rPr>
+              <a:t>https://github.com/guruskill/70-534/blob/master/Labs/06-Monitoring-Azure-Automation.md</a:t>
+            </a:r>
+            <a:r>
+              <a:rPr lang="en-US" b="1" dirty="0"/>
+              <a:t> </a:t>
+            </a:r>
+            <a:r>
+              <a:rPr lang="en-US" dirty="0"/>
+              <a:t> </a:t>
+            </a:r>
+          </a:p>
+          <a:p>
+            <a:endParaRPr lang="en-US" dirty="0"/>
+          </a:p>
+        </p:txBody>
+      </p:sp>
+      <p:sp>
+        <p:nvSpPr>
+          <p:cNvPr id="4" name="Text Placeholder 3">
+            <a:extLst>
+              <a:ext uri="{FF2B5EF4-FFF2-40B4-BE49-F238E27FC236}">
+                <a16:creationId xmlns:a16="http://schemas.microsoft.com/office/drawing/2014/main" id="{4D64A591-1000-4500-93CF-F50B930128F3}"/>
+              </a:ext>
+            </a:extLst>
+          </p:cNvPr>
+          <p:cNvSpPr>
+            <a:spLocks noGrp="1"/>
+          </p:cNvSpPr>
+          <p:nvPr>
+            <p:ph type="body" sz="quarter" idx="10"/>
+          </p:nvPr>
+        </p:nvSpPr>
+        <p:spPr/>
+        <p:txBody>
+          <a:bodyPr/>
+          <a:lstStyle/>
+          <a:p>
+            <a:endParaRPr lang="en-US"/>
+          </a:p>
+        </p:txBody>
+      </p:sp>
+    </p:spTree>
+    <p:extLst>
+      <p:ext uri="{BB962C8B-B14F-4D97-AF65-F5344CB8AC3E}">
+        <p14:creationId xmlns:p14="http://schemas.microsoft.com/office/powerpoint/2010/main" val="2504200173"/>
+      </p:ext>
+    </p:extLst>
+  </p:cSld>
+  <p:clrMapOvr>
+    <a:masterClrMapping/>
+  </p:clrMapOvr>
+</p:sld>
+</file>
+
+<file path=ppt/slides/slide9.xml><?xml version="1.0" encoding="utf-8"?>
+<p:sld xmlns:a="http://schemas.openxmlformats.org/drawingml/2006/main" xmlns:r="http://schemas.openxmlformats.org/officeDocument/2006/relationships" xmlns:p="http://schemas.openxmlformats.org/presentationml/2006/main">
+  <p:cSld>
+    <p:spTree>
+      <p:nvGrpSpPr>
+        <p:cNvPr id="1" name=""/>
+        <p:cNvGrpSpPr/>
+        <p:nvPr/>
+      </p:nvGrpSpPr>
+      <p:grpSpPr>
+        <a:xfrm>
+          <a:off x="0" y="0"/>
+          <a:ext cx="0" cy="0"/>
+          <a:chOff x="0" y="0"/>
+          <a:chExt cx="0" cy="0"/>
+        </a:xfrm>
+      </p:grpSpPr>
+      <p:sp>
+        <p:nvSpPr>
+          <p:cNvPr id="2" name="Title 1">
+            <a:extLst>
+              <a:ext uri="{FF2B5EF4-FFF2-40B4-BE49-F238E27FC236}">
                 <a16:creationId xmlns:a16="http://schemas.microsoft.com/office/drawing/2014/main" id="{66A30871-D695-4474-9747-A8807DAA6C0B}"/>
               </a:ext>
             </a:extLst>
@@ -19404,1183 +21135,6 @@
   <p:clrMapOvr>
     <a:masterClrMapping/>
   </p:clrMapOvr>
-</p:sld>
-</file>
-
-<file path=ppt/slides/slide8.xml><?xml version="1.0" encoding="utf-8"?>
-<p:sld xmlns:a="http://schemas.openxmlformats.org/drawingml/2006/main" xmlns:r="http://schemas.openxmlformats.org/officeDocument/2006/relationships" xmlns:p="http://schemas.openxmlformats.org/presentationml/2006/main" show="0">
-  <p:cSld>
-    <p:spTree>
-      <p:nvGrpSpPr>
-        <p:cNvPr id="1" name=""/>
-        <p:cNvGrpSpPr/>
-        <p:nvPr/>
-      </p:nvGrpSpPr>
-      <p:grpSpPr>
-        <a:xfrm>
-          <a:off x="0" y="0"/>
-          <a:ext cx="0" cy="0"/>
-          <a:chOff x="0" y="0"/>
-          <a:chExt cx="0" cy="0"/>
-        </a:xfrm>
-      </p:grpSpPr>
-      <p:sp>
-        <p:nvSpPr>
-          <p:cNvPr id="2" name="Title 1"/>
-          <p:cNvSpPr>
-            <a:spLocks noGrp="1"/>
-          </p:cNvSpPr>
-          <p:nvPr>
-            <p:ph type="title"/>
-          </p:nvPr>
-        </p:nvSpPr>
-        <p:spPr>
-          <a:xfrm>
-            <a:off x="201931" y="1074718"/>
-            <a:ext cx="8741880" cy="674653"/>
-          </a:xfrm>
-        </p:spPr>
-        <p:txBody>
-          <a:bodyPr/>
-          <a:lstStyle/>
-          <a:p>
-            <a:r>
-              <a:rPr lang="en-US" dirty="0"/>
-              <a:t>Solution Architecture: Overview</a:t>
-            </a:r>
-            <a:endParaRPr lang="en-US" sz="2941" dirty="0">
-              <a:gradFill>
-                <a:gsLst>
-                  <a:gs pos="1250">
-                    <a:schemeClr val="tx2"/>
-                  </a:gs>
-                  <a:gs pos="99000">
-                    <a:schemeClr val="tx2"/>
-                  </a:gs>
-                </a:gsLst>
-                <a:lin ang="5400000" scaled="0"/>
-              </a:gradFill>
-            </a:endParaRPr>
-          </a:p>
-        </p:txBody>
-      </p:sp>
-      <p:sp>
-        <p:nvSpPr>
-          <p:cNvPr id="3" name="Text Placeholder 2"/>
-          <p:cNvSpPr>
-            <a:spLocks noGrp="1"/>
-          </p:cNvSpPr>
-          <p:nvPr>
-            <p:ph type="body" sz="quarter" idx="10"/>
-          </p:nvPr>
-        </p:nvSpPr>
-        <p:spPr>
-          <a:xfrm>
-            <a:off x="201930" y="1749371"/>
-            <a:ext cx="5098415" cy="3498971"/>
-          </a:xfrm>
-        </p:spPr>
-        <p:txBody>
-          <a:bodyPr/>
-          <a:lstStyle/>
-          <a:p>
-            <a:pPr marL="0" indent="0">
-              <a:buNone/>
-            </a:pPr>
-            <a:r>
-              <a:rPr lang="en-US" dirty="0"/>
-              <a:t>Session Goals</a:t>
-            </a:r>
-          </a:p>
-          <a:p>
-            <a:pPr>
-              <a:lnSpc>
-                <a:spcPct val="100000"/>
-              </a:lnSpc>
-            </a:pPr>
-            <a:r>
-              <a:rPr lang="en-US" sz="1765" dirty="0">
-                <a:solidFill>
-                  <a:schemeClr val="tx1">
-                    <a:lumMod val="50000"/>
-                  </a:schemeClr>
-                </a:solidFill>
-              </a:rPr>
-              <a:t>Understand Azure architectural approach, and recognize different </a:t>
-            </a:r>
-            <a:r>
-              <a:rPr lang="en-US" sz="1765" u="sng" dirty="0">
-                <a:solidFill>
-                  <a:schemeClr val="tx1">
-                    <a:lumMod val="50000"/>
-                  </a:schemeClr>
-                </a:solidFill>
-                <a:hlinkClick r:id="rId3"/>
-              </a:rPr>
-              <a:t>Architecture Styles</a:t>
-            </a:r>
-            <a:endParaRPr lang="en-US" sz="1765" u="sng" dirty="0">
-              <a:solidFill>
-                <a:schemeClr val="tx1">
-                  <a:lumMod val="50000"/>
-                </a:schemeClr>
-              </a:solidFill>
-            </a:endParaRPr>
-          </a:p>
-          <a:p>
-            <a:pPr>
-              <a:lnSpc>
-                <a:spcPct val="100000"/>
-              </a:lnSpc>
-            </a:pPr>
-            <a:r>
-              <a:rPr lang="en-US" sz="1765" dirty="0">
-                <a:solidFill>
-                  <a:schemeClr val="tx1">
-                    <a:lumMod val="50000"/>
-                  </a:schemeClr>
-                </a:solidFill>
-              </a:rPr>
-              <a:t>Know when to choose a particular style, based on benefits, challenges, and best practices</a:t>
-            </a:r>
-          </a:p>
-          <a:p>
-            <a:pPr>
-              <a:lnSpc>
-                <a:spcPct val="100000"/>
-              </a:lnSpc>
-            </a:pPr>
-            <a:r>
-              <a:rPr lang="en-US" sz="1765" dirty="0">
-                <a:solidFill>
-                  <a:schemeClr val="tx1">
-                    <a:lumMod val="50000"/>
-                  </a:schemeClr>
-                </a:solidFill>
-              </a:rPr>
-              <a:t>Understand </a:t>
-            </a:r>
-            <a:r>
-              <a:rPr lang="en-US" sz="1765" dirty="0">
-                <a:solidFill>
-                  <a:schemeClr val="tx1">
-                    <a:lumMod val="50000"/>
-                  </a:schemeClr>
-                </a:solidFill>
-                <a:hlinkClick r:id="rId4"/>
-              </a:rPr>
-              <a:t>Technology Choices</a:t>
-            </a:r>
-            <a:r>
-              <a:rPr lang="en-US" sz="1765" dirty="0">
-                <a:solidFill>
-                  <a:schemeClr val="tx1">
-                    <a:lumMod val="50000"/>
-                  </a:schemeClr>
-                </a:solidFill>
-              </a:rPr>
-              <a:t> for implementing architecture styles.</a:t>
-            </a:r>
-          </a:p>
-          <a:p>
-            <a:pPr>
-              <a:lnSpc>
-                <a:spcPct val="100000"/>
-              </a:lnSpc>
-            </a:pPr>
-            <a:r>
-              <a:rPr lang="en-US" sz="1765" dirty="0">
-                <a:solidFill>
-                  <a:schemeClr val="tx1">
-                    <a:lumMod val="50000"/>
-                  </a:schemeClr>
-                </a:solidFill>
-              </a:rPr>
-              <a:t>Recognize Azure services that can be used for compute and data services</a:t>
-            </a:r>
-          </a:p>
-          <a:p>
-            <a:pPr marL="0" indent="0">
-              <a:buNone/>
-            </a:pPr>
-            <a:endParaRPr lang="en-US" sz="882" dirty="0">
-              <a:solidFill>
-                <a:schemeClr val="tx1">
-                  <a:lumMod val="50000"/>
-                </a:schemeClr>
-              </a:solidFill>
-            </a:endParaRPr>
-          </a:p>
-          <a:p>
-            <a:pPr marL="0" indent="0">
-              <a:buNone/>
-            </a:pPr>
-            <a:r>
-              <a:rPr lang="en-US" sz="882" dirty="0">
-                <a:solidFill>
-                  <a:schemeClr val="tx1">
-                    <a:lumMod val="50000"/>
-                  </a:schemeClr>
-                </a:solidFill>
-              </a:rPr>
-              <a:t>Reference: </a:t>
-            </a:r>
-            <a:r>
-              <a:rPr lang="en-US" sz="882" dirty="0">
-                <a:solidFill>
-                  <a:schemeClr val="tx1">
-                    <a:lumMod val="50000"/>
-                  </a:schemeClr>
-                </a:solidFill>
-                <a:hlinkClick r:id="rId5"/>
-              </a:rPr>
-              <a:t>https://docs.microsoft.com/en-us/azure/architecture/</a:t>
-            </a:r>
-            <a:endParaRPr lang="en-US" sz="882" dirty="0">
-              <a:solidFill>
-                <a:schemeClr val="tx1">
-                  <a:lumMod val="50000"/>
-                </a:schemeClr>
-              </a:solidFill>
-            </a:endParaRPr>
-          </a:p>
-        </p:txBody>
-      </p:sp>
-      <p:pic>
-        <p:nvPicPr>
-          <p:cNvPr id="6" name="Picture 5">
-            <a:extLst>
-              <a:ext uri="{FF2B5EF4-FFF2-40B4-BE49-F238E27FC236}">
-                <a16:creationId xmlns:a16="http://schemas.microsoft.com/office/drawing/2014/main" id="{EB7E39E5-53A3-47AE-ABA0-B32A6E88F025}"/>
-              </a:ext>
-            </a:extLst>
-          </p:cNvPr>
-          <p:cNvPicPr>
-            <a:picLocks noChangeAspect="1"/>
-          </p:cNvPicPr>
-          <p:nvPr/>
-        </p:nvPicPr>
-        <p:blipFill>
-          <a:blip r:embed="rId6"/>
-          <a:stretch>
-            <a:fillRect/>
-          </a:stretch>
-        </p:blipFill>
-        <p:spPr>
-          <a:xfrm>
-            <a:off x="5244319" y="2028336"/>
-            <a:ext cx="3592703" cy="3641726"/>
-          </a:xfrm>
-          <a:prstGeom prst="rect">
-            <a:avLst/>
-          </a:prstGeom>
-        </p:spPr>
-      </p:pic>
-    </p:spTree>
-    <p:extLst>
-      <p:ext uri="{BB962C8B-B14F-4D97-AF65-F5344CB8AC3E}">
-        <p14:creationId xmlns:p14="http://schemas.microsoft.com/office/powerpoint/2010/main" val="3847340518"/>
-      </p:ext>
-    </p:extLst>
-  </p:cSld>
-  <p:clrMapOvr>
-    <a:masterClrMapping/>
-  </p:clrMapOvr>
-  <mc:AlternateContent xmlns:mc="http://schemas.openxmlformats.org/markup-compatibility/2006" xmlns:p14="http://schemas.microsoft.com/office/powerpoint/2010/main">
-    <mc:Choice Requires="p14">
-      <p:transition spd="med" p14:dur="700">
-        <p:fade/>
-      </p:transition>
-    </mc:Choice>
-    <mc:Fallback xmlns="">
-      <p:transition spd="med">
-        <p:fade/>
-      </p:transition>
-    </mc:Fallback>
-  </mc:AlternateContent>
-</p:sld>
-</file>
-
-<file path=ppt/slides/slide9.xml><?xml version="1.0" encoding="utf-8"?>
-<p:sld xmlns:a="http://schemas.openxmlformats.org/drawingml/2006/main" xmlns:r="http://schemas.openxmlformats.org/officeDocument/2006/relationships" xmlns:p="http://schemas.openxmlformats.org/presentationml/2006/main">
-  <p:cSld>
-    <p:spTree>
-      <p:nvGrpSpPr>
-        <p:cNvPr id="1" name=""/>
-        <p:cNvGrpSpPr/>
-        <p:nvPr/>
-      </p:nvGrpSpPr>
-      <p:grpSpPr>
-        <a:xfrm>
-          <a:off x="0" y="0"/>
-          <a:ext cx="0" cy="0"/>
-          <a:chOff x="0" y="0"/>
-          <a:chExt cx="0" cy="0"/>
-        </a:xfrm>
-      </p:grpSpPr>
-      <p:sp>
-        <p:nvSpPr>
-          <p:cNvPr id="17" name="Title 16"/>
-          <p:cNvSpPr>
-            <a:spLocks noGrp="1"/>
-          </p:cNvSpPr>
-          <p:nvPr>
-            <p:ph type="title"/>
-          </p:nvPr>
-        </p:nvSpPr>
-        <p:spPr/>
-        <p:txBody>
-          <a:bodyPr/>
-          <a:lstStyle/>
-          <a:p>
-            <a:r>
-              <a:rPr lang="en-US" dirty="0"/>
-              <a:t>Lab Setup: Architecture Styles</a:t>
-            </a:r>
-          </a:p>
-        </p:txBody>
-      </p:sp>
-      <p:sp>
-        <p:nvSpPr>
-          <p:cNvPr id="5" name="Content Placeholder 4">
-            <a:extLst>
-              <a:ext uri="{FF2B5EF4-FFF2-40B4-BE49-F238E27FC236}">
-                <a16:creationId xmlns:a16="http://schemas.microsoft.com/office/drawing/2014/main" id="{06F5B6FB-6301-4A7C-8FB8-24C5E6B95B60}"/>
-              </a:ext>
-            </a:extLst>
-          </p:cNvPr>
-          <p:cNvSpPr>
-            <a:spLocks noGrp="1"/>
-          </p:cNvSpPr>
-          <p:nvPr>
-            <p:ph sz="half" idx="2"/>
-          </p:nvPr>
-        </p:nvSpPr>
-        <p:spPr>
-          <a:xfrm>
-            <a:off x="1731955" y="1202685"/>
-            <a:ext cx="4040188" cy="4520372"/>
-          </a:xfrm>
-        </p:spPr>
-        <p:txBody>
-          <a:bodyPr/>
-          <a:lstStyle/>
-          <a:p>
-            <a:pPr marL="0" lvl="0" indent="0">
-              <a:buNone/>
-            </a:pPr>
-            <a:r>
-              <a:rPr lang="en-US" sz="1800" dirty="0">
-                <a:solidFill>
-                  <a:srgbClr val="000000"/>
-                </a:solidFill>
-                <a:hlinkClick r:id="rId3"/>
-              </a:rPr>
-              <a:t>N-tier</a:t>
-            </a:r>
-            <a:endParaRPr lang="en-US" sz="1800" dirty="0">
-              <a:solidFill>
-                <a:srgbClr val="000000"/>
-              </a:solidFill>
-            </a:endParaRPr>
-          </a:p>
-          <a:p>
-            <a:pPr marL="252134" lvl="1" indent="-252134"/>
-            <a:r>
-              <a:rPr lang="en-US" sz="1050" dirty="0">
-                <a:solidFill>
-                  <a:srgbClr val="000000"/>
-                </a:solidFill>
-              </a:rPr>
-              <a:t>Traditional enterprise architecture</a:t>
-            </a:r>
-          </a:p>
-          <a:p>
-            <a:pPr marL="252134" lvl="1" indent="-252134"/>
-            <a:r>
-              <a:rPr lang="en-US" sz="1050" dirty="0">
-                <a:solidFill>
-                  <a:srgbClr val="000000"/>
-                </a:solidFill>
-              </a:rPr>
-              <a:t>Ideal for lift-and-shift</a:t>
-            </a:r>
-          </a:p>
-          <a:p>
-            <a:pPr marL="0" lvl="0" indent="0">
-              <a:buNone/>
-            </a:pPr>
-            <a:r>
-              <a:rPr lang="en-US" sz="1800" dirty="0">
-                <a:solidFill>
-                  <a:srgbClr val="000000"/>
-                </a:solidFill>
-                <a:hlinkClick r:id="rId4"/>
-              </a:rPr>
-              <a:t>Web-Queue-Worker</a:t>
-            </a:r>
-            <a:endParaRPr lang="en-US" sz="1800" dirty="0">
-              <a:solidFill>
-                <a:srgbClr val="000000"/>
-              </a:solidFill>
-            </a:endParaRPr>
-          </a:p>
-          <a:p>
-            <a:pPr marL="252134" lvl="1" indent="-252134"/>
-            <a:r>
-              <a:rPr lang="en-US" sz="1050" dirty="0">
-                <a:solidFill>
-                  <a:srgbClr val="000000"/>
-                </a:solidFill>
-              </a:rPr>
-              <a:t>PaaS solutions</a:t>
-            </a:r>
-          </a:p>
-          <a:p>
-            <a:pPr marL="252134" lvl="1" indent="-252134"/>
-            <a:r>
-              <a:rPr lang="en-US" sz="1050" dirty="0">
-                <a:solidFill>
-                  <a:srgbClr val="000000"/>
-                </a:solidFill>
-              </a:rPr>
-              <a:t>Relies on asynchronous messaging</a:t>
-            </a:r>
-          </a:p>
-          <a:p>
-            <a:pPr marL="0" lvl="0" indent="0">
-              <a:buNone/>
-            </a:pPr>
-            <a:r>
-              <a:rPr lang="en-US" sz="1800" dirty="0">
-                <a:solidFill>
-                  <a:srgbClr val="000000"/>
-                </a:solidFill>
-                <a:hlinkClick r:id="rId5"/>
-              </a:rPr>
-              <a:t>Microservices</a:t>
-            </a:r>
-            <a:endParaRPr lang="en-US" sz="1800" dirty="0">
-              <a:solidFill>
-                <a:srgbClr val="000000"/>
-              </a:solidFill>
-            </a:endParaRPr>
-          </a:p>
-          <a:p>
-            <a:pPr marL="252134" lvl="1" indent="-252134"/>
-            <a:r>
-              <a:rPr lang="en-US" sz="1050" dirty="0">
-                <a:solidFill>
-                  <a:srgbClr val="000000"/>
-                </a:solidFill>
-              </a:rPr>
-              <a:t>Many small, independent services</a:t>
-            </a:r>
-          </a:p>
-          <a:p>
-            <a:pPr marL="252134" lvl="1" indent="-252134"/>
-            <a:r>
-              <a:rPr lang="en-US" sz="1050" dirty="0">
-                <a:solidFill>
-                  <a:srgbClr val="000000"/>
-                </a:solidFill>
-              </a:rPr>
-              <a:t>Requires mature DevOps processes</a:t>
-            </a:r>
-          </a:p>
-          <a:p>
-            <a:pPr marL="0" lvl="0" indent="0">
-              <a:buNone/>
-            </a:pPr>
-            <a:r>
-              <a:rPr lang="en-US" sz="1800" dirty="0">
-                <a:solidFill>
-                  <a:srgbClr val="000000"/>
-                </a:solidFill>
-                <a:hlinkClick r:id="rId6"/>
-              </a:rPr>
-              <a:t>CQRS</a:t>
-            </a:r>
-            <a:r>
-              <a:rPr lang="en-US" sz="1800" dirty="0">
-                <a:solidFill>
-                  <a:srgbClr val="000000"/>
-                </a:solidFill>
-              </a:rPr>
-              <a:t> </a:t>
-            </a:r>
-            <a:r>
-              <a:rPr lang="en-US" sz="1050" dirty="0">
-                <a:solidFill>
-                  <a:srgbClr val="000000"/>
-                </a:solidFill>
-              </a:rPr>
-              <a:t>(Command and Query Responsibility Segregation)</a:t>
-            </a:r>
-          </a:p>
-          <a:p>
-            <a:pPr marL="252134" lvl="1" indent="-252134"/>
-            <a:r>
-              <a:rPr lang="en-US" sz="1050" dirty="0">
-                <a:solidFill>
-                  <a:srgbClr val="000000"/>
-                </a:solidFill>
-              </a:rPr>
-              <a:t>Scale the read and write workloads independently; Large Scale</a:t>
-            </a:r>
-          </a:p>
-          <a:p>
-            <a:pPr marL="252134" lvl="1" indent="-252134"/>
-            <a:r>
-              <a:rPr lang="en-US" sz="1050" dirty="0">
-                <a:solidFill>
-                  <a:srgbClr val="000000"/>
-                </a:solidFill>
-              </a:rPr>
-              <a:t>For collaborative domains where many users access the same data</a:t>
-            </a:r>
-          </a:p>
-          <a:p>
-            <a:pPr marL="0" lvl="1" indent="0">
-              <a:buNone/>
-            </a:pPr>
-            <a:r>
-              <a:rPr lang="en-US" sz="1800" dirty="0">
-                <a:solidFill>
-                  <a:srgbClr val="000000"/>
-                </a:solidFill>
-                <a:hlinkClick r:id="rId7"/>
-              </a:rPr>
-              <a:t>Event-driven</a:t>
-            </a:r>
-            <a:endParaRPr lang="en-US" sz="1800" dirty="0">
-              <a:solidFill>
-                <a:srgbClr val="000000"/>
-              </a:solidFill>
-            </a:endParaRPr>
-          </a:p>
-          <a:p>
-            <a:pPr marL="252134" lvl="1" indent="-252134"/>
-            <a:r>
-              <a:rPr lang="en-US" sz="1050" dirty="0">
-                <a:solidFill>
-                  <a:srgbClr val="000000"/>
-                </a:solidFill>
-              </a:rPr>
-              <a:t>Producers publish, consumers subscribe</a:t>
-            </a:r>
-          </a:p>
-          <a:p>
-            <a:pPr marL="252134" lvl="1" indent="-252134"/>
-            <a:r>
-              <a:rPr lang="en-US" sz="1050" dirty="0">
-                <a:solidFill>
-                  <a:srgbClr val="000000"/>
-                </a:solidFill>
-              </a:rPr>
-              <a:t>Common with large data volumes (e.g. IoT)</a:t>
-            </a:r>
-          </a:p>
-          <a:p>
-            <a:pPr marL="0" lvl="0" indent="0">
-              <a:buNone/>
-            </a:pPr>
-            <a:r>
-              <a:rPr lang="en-US" sz="1800" dirty="0">
-                <a:solidFill>
-                  <a:srgbClr val="000000"/>
-                </a:solidFill>
-                <a:hlinkClick r:id="rId8"/>
-              </a:rPr>
-              <a:t>Big Data</a:t>
-            </a:r>
-            <a:r>
-              <a:rPr lang="en-US" sz="1800" dirty="0">
-                <a:solidFill>
-                  <a:srgbClr val="000000"/>
-                </a:solidFill>
-              </a:rPr>
-              <a:t> &amp; </a:t>
-            </a:r>
-            <a:r>
-              <a:rPr lang="en-US" sz="1800" dirty="0">
-                <a:solidFill>
-                  <a:srgbClr val="000000"/>
-                </a:solidFill>
-                <a:hlinkClick r:id="rId9"/>
-              </a:rPr>
-              <a:t>Big Compute</a:t>
-            </a:r>
-            <a:endParaRPr lang="en-US" sz="1800" dirty="0">
-              <a:solidFill>
-                <a:srgbClr val="000000"/>
-              </a:solidFill>
-            </a:endParaRPr>
-          </a:p>
-          <a:p>
-            <a:pPr marL="252134" lvl="1" indent="-252134"/>
-            <a:r>
-              <a:rPr lang="en-US" sz="1050" dirty="0">
-                <a:solidFill>
-                  <a:srgbClr val="000000"/>
-                </a:solidFill>
-              </a:rPr>
-              <a:t>Parallel processing of chunks across large dataset</a:t>
-            </a:r>
-          </a:p>
-          <a:p>
-            <a:pPr marL="252134" lvl="1" indent="-252134"/>
-            <a:r>
-              <a:rPr lang="en-US" sz="1050" dirty="0">
-                <a:solidFill>
-                  <a:srgbClr val="000000"/>
-                </a:solidFill>
-              </a:rPr>
-              <a:t>Parallel computations across large number of cores</a:t>
-            </a:r>
-          </a:p>
-          <a:p>
-            <a:endParaRPr lang="en-US" sz="1800" dirty="0"/>
-          </a:p>
-        </p:txBody>
-      </p:sp>
-      <p:sp>
-        <p:nvSpPr>
-          <p:cNvPr id="7" name="Text Placeholder 6">
-            <a:extLst>
-              <a:ext uri="{FF2B5EF4-FFF2-40B4-BE49-F238E27FC236}">
-                <a16:creationId xmlns:a16="http://schemas.microsoft.com/office/drawing/2014/main" id="{7619CFC0-9BA0-4298-9248-B0771249D2FC}"/>
-              </a:ext>
-            </a:extLst>
-          </p:cNvPr>
-          <p:cNvSpPr>
-            <a:spLocks noGrp="1"/>
-          </p:cNvSpPr>
-          <p:nvPr>
-            <p:ph type="body" sz="quarter" idx="3"/>
-          </p:nvPr>
-        </p:nvSpPr>
-        <p:spPr/>
-        <p:txBody>
-          <a:bodyPr/>
-          <a:lstStyle/>
-          <a:p>
-            <a:r>
-              <a:rPr lang="en-US" dirty="0"/>
-              <a:t>Design Considerations</a:t>
-            </a:r>
-          </a:p>
-        </p:txBody>
-      </p:sp>
-      <p:sp>
-        <p:nvSpPr>
-          <p:cNvPr id="8" name="Content Placeholder 7">
-            <a:extLst>
-              <a:ext uri="{FF2B5EF4-FFF2-40B4-BE49-F238E27FC236}">
-                <a16:creationId xmlns:a16="http://schemas.microsoft.com/office/drawing/2014/main" id="{63686C54-03C3-4EBF-8145-F87BEC050BE5}"/>
-              </a:ext>
-            </a:extLst>
-          </p:cNvPr>
-          <p:cNvSpPr>
-            <a:spLocks noGrp="1"/>
-          </p:cNvSpPr>
-          <p:nvPr>
-            <p:ph sz="quarter" idx="4"/>
-          </p:nvPr>
-        </p:nvSpPr>
-        <p:spPr>
-          <a:xfrm>
-            <a:off x="4645025" y="1572047"/>
-            <a:ext cx="4041775" cy="2517979"/>
-          </a:xfrm>
-        </p:spPr>
-        <p:txBody>
-          <a:bodyPr/>
-          <a:lstStyle/>
-          <a:p>
-            <a:r>
-              <a:rPr lang="en-US" sz="1800" dirty="0"/>
-              <a:t>Scale</a:t>
-            </a:r>
-          </a:p>
-          <a:p>
-            <a:r>
-              <a:rPr lang="en-US" sz="1800" dirty="0"/>
-              <a:t>Complexity</a:t>
-            </a:r>
-          </a:p>
-          <a:p>
-            <a:r>
-              <a:rPr lang="en-US" sz="1800" dirty="0"/>
-              <a:t>Cost</a:t>
-            </a:r>
-          </a:p>
-          <a:p>
-            <a:r>
-              <a:rPr lang="en-US" sz="1800" dirty="0"/>
-              <a:t>Manageability</a:t>
-            </a:r>
-          </a:p>
-          <a:p>
-            <a:r>
-              <a:rPr lang="en-US" sz="1800" dirty="0"/>
-              <a:t>Service-Level Agreement</a:t>
-            </a:r>
-            <a:endParaRPr lang="en-US" sz="1050" dirty="0"/>
-          </a:p>
-        </p:txBody>
-      </p:sp>
-      <p:sp>
-        <p:nvSpPr>
-          <p:cNvPr id="9" name="Text Placeholder 8">
-            <a:extLst>
-              <a:ext uri="{FF2B5EF4-FFF2-40B4-BE49-F238E27FC236}">
-                <a16:creationId xmlns:a16="http://schemas.microsoft.com/office/drawing/2014/main" id="{D837D2E7-8381-49D4-92D6-2DBA461E5A18}"/>
-              </a:ext>
-            </a:extLst>
-          </p:cNvPr>
-          <p:cNvSpPr>
-            <a:spLocks noGrp="1"/>
-          </p:cNvSpPr>
-          <p:nvPr>
-            <p:ph type="body" sz="quarter" idx="10"/>
-          </p:nvPr>
-        </p:nvSpPr>
-        <p:spPr>
-          <a:xfrm>
-            <a:off x="5477391" y="5847686"/>
-            <a:ext cx="3522467" cy="309876"/>
-          </a:xfrm>
-        </p:spPr>
-        <p:txBody>
-          <a:bodyPr/>
-          <a:lstStyle/>
-          <a:p>
-            <a:r>
-              <a:rPr lang="en-US" dirty="0">
-                <a:solidFill>
-                  <a:schemeClr val="tx1">
-                    <a:lumMod val="50000"/>
-                  </a:schemeClr>
-                </a:solidFill>
-              </a:rPr>
-              <a:t>Reference: </a:t>
-            </a:r>
-            <a:r>
-              <a:rPr lang="en-US" dirty="0">
-                <a:solidFill>
-                  <a:schemeClr val="tx1">
-                    <a:lumMod val="50000"/>
-                  </a:schemeClr>
-                </a:solidFill>
-                <a:hlinkClick r:id="rId10"/>
-              </a:rPr>
-              <a:t>https://docs.microsoft.com/en-us/azure/architecture/guide/</a:t>
-            </a:r>
-            <a:r>
-              <a:rPr lang="en-US" dirty="0">
-                <a:solidFill>
-                  <a:schemeClr val="tx1">
-                    <a:lumMod val="50000"/>
-                  </a:schemeClr>
-                </a:solidFill>
-              </a:rPr>
-              <a:t> </a:t>
-            </a:r>
-            <a:endParaRPr lang="en-US" dirty="0"/>
-          </a:p>
-        </p:txBody>
-      </p:sp>
-      <p:sp>
-        <p:nvSpPr>
-          <p:cNvPr id="2" name="Rectangle 1">
-            <a:extLst>
-              <a:ext uri="{FF2B5EF4-FFF2-40B4-BE49-F238E27FC236}">
-                <a16:creationId xmlns:a16="http://schemas.microsoft.com/office/drawing/2014/main" id="{CFCDB16A-48BE-42F0-AD58-3970A68EC5C1}"/>
-              </a:ext>
-            </a:extLst>
-          </p:cNvPr>
-          <p:cNvSpPr/>
-          <p:nvPr/>
-        </p:nvSpPr>
-        <p:spPr>
-          <a:xfrm>
-            <a:off x="5963870" y="3896596"/>
-            <a:ext cx="3180130" cy="1938992"/>
-          </a:xfrm>
-          <a:prstGeom prst="rect">
-            <a:avLst/>
-          </a:prstGeom>
-        </p:spPr>
-        <p:txBody>
-          <a:bodyPr wrap="square">
-            <a:spAutoFit/>
-          </a:bodyPr>
-          <a:lstStyle/>
-          <a:p>
-            <a:pPr>
-              <a:lnSpc>
-                <a:spcPct val="100000"/>
-              </a:lnSpc>
-            </a:pPr>
-            <a:r>
-              <a:rPr lang="en-US" sz="1200" u="sng" dirty="0">
-                <a:solidFill>
-                  <a:schemeClr val="tx1">
-                    <a:lumMod val="50000"/>
-                  </a:schemeClr>
-                </a:solidFill>
-                <a:hlinkClick r:id="rId11"/>
-              </a:rPr>
-              <a:t>Architecture Styles</a:t>
-            </a:r>
-            <a:endParaRPr lang="en-US" sz="1200" u="sng" dirty="0">
-              <a:solidFill>
-                <a:schemeClr val="tx1">
-                  <a:lumMod val="50000"/>
-                </a:schemeClr>
-              </a:solidFill>
-            </a:endParaRPr>
-          </a:p>
-          <a:p>
-            <a:pPr marL="285750" indent="-285750">
-              <a:lnSpc>
-                <a:spcPct val="100000"/>
-              </a:lnSpc>
-              <a:buFont typeface="Arial" panose="020B0604020202020204" pitchFamily="34" charset="0"/>
-              <a:buChar char="•"/>
-            </a:pPr>
-            <a:r>
-              <a:rPr lang="en-US" sz="1200" dirty="0">
-                <a:solidFill>
-                  <a:schemeClr val="tx1">
-                    <a:lumMod val="50000"/>
-                  </a:schemeClr>
-                </a:solidFill>
-              </a:rPr>
-              <a:t>Know when to choose a particular style, based on benefits, challenges, and best practices</a:t>
-            </a:r>
-          </a:p>
-          <a:p>
-            <a:pPr>
-              <a:lnSpc>
-                <a:spcPct val="100000"/>
-              </a:lnSpc>
-            </a:pPr>
-            <a:r>
-              <a:rPr lang="en-US" sz="1200" dirty="0">
-                <a:solidFill>
-                  <a:schemeClr val="tx1">
-                    <a:lumMod val="50000"/>
-                  </a:schemeClr>
-                </a:solidFill>
-                <a:hlinkClick r:id="rId12"/>
-              </a:rPr>
-              <a:t>Technology Choices</a:t>
-            </a:r>
-            <a:endParaRPr lang="en-US" sz="1200" dirty="0">
-              <a:solidFill>
-                <a:schemeClr val="tx1">
-                  <a:lumMod val="50000"/>
-                </a:schemeClr>
-              </a:solidFill>
-            </a:endParaRPr>
-          </a:p>
-          <a:p>
-            <a:pPr marL="285750" indent="-285750">
-              <a:lnSpc>
-                <a:spcPct val="100000"/>
-              </a:lnSpc>
-              <a:buFont typeface="Arial" panose="020B0604020202020204" pitchFamily="34" charset="0"/>
-              <a:buChar char="•"/>
-            </a:pPr>
-            <a:r>
-              <a:rPr lang="en-US" sz="1200" dirty="0">
-                <a:solidFill>
-                  <a:schemeClr val="tx1">
-                    <a:lumMod val="50000"/>
-                  </a:schemeClr>
-                </a:solidFill>
-              </a:rPr>
-              <a:t>Recognize Azure services that can be used for compute and data services</a:t>
-            </a:r>
-          </a:p>
-          <a:p>
-            <a:pPr marL="0" indent="0">
-              <a:buNone/>
-            </a:pPr>
-            <a:endParaRPr lang="en-US" sz="1200" dirty="0">
-              <a:solidFill>
-                <a:schemeClr val="tx1">
-                  <a:lumMod val="50000"/>
-                </a:schemeClr>
-              </a:solidFill>
-            </a:endParaRPr>
-          </a:p>
-        </p:txBody>
-      </p:sp>
-      <p:sp>
-        <p:nvSpPr>
-          <p:cNvPr id="11" name="AutoShape 4" descr="https://docs.microsoft.com/en-us/azure/architecture/guide/architecture-styles/images/n-tier-sketch.svg">
-            <a:extLst>
-              <a:ext uri="{FF2B5EF4-FFF2-40B4-BE49-F238E27FC236}">
-                <a16:creationId xmlns:a16="http://schemas.microsoft.com/office/drawing/2014/main" id="{31484CD6-ABAD-46F3-89D3-11F1D26C6CCD}"/>
-              </a:ext>
-            </a:extLst>
-          </p:cNvPr>
-          <p:cNvSpPr>
-            <a:spLocks noChangeAspect="1" noChangeArrowheads="1"/>
-          </p:cNvSpPr>
-          <p:nvPr/>
-        </p:nvSpPr>
-        <p:spPr bwMode="auto">
-          <a:xfrm>
-            <a:off x="3806246" y="2663246"/>
-            <a:ext cx="918154" cy="918154"/>
-          </a:xfrm>
-          <a:prstGeom prst="rect">
-            <a:avLst/>
-          </a:prstGeom>
-          <a:noFill/>
-          <a:extLst>
-            <a:ext uri="{909E8E84-426E-40DD-AFC4-6F175D3DCCD1}">
-              <a14:hiddenFill xmlns:a14="http://schemas.microsoft.com/office/drawing/2010/main">
-                <a:solidFill>
-                  <a:srgbClr val="FFFFFF"/>
-                </a:solidFill>
-              </a14:hiddenFill>
-            </a:ext>
-          </a:extLst>
-        </p:spPr>
-        <p:txBody>
-          <a:bodyPr vert="horz" wrap="square" lIns="91440" tIns="45720" rIns="91440" bIns="45720" numCol="1" anchor="t" anchorCtr="0" compatLnSpc="1">
-            <a:prstTxWarp prst="textNoShape">
-              <a:avLst/>
-            </a:prstTxWarp>
-          </a:bodyPr>
-          <a:lstStyle/>
-          <a:p>
-            <a:endParaRPr lang="en-US"/>
-          </a:p>
-        </p:txBody>
-      </p:sp>
-      <p:pic>
-        <p:nvPicPr>
-          <p:cNvPr id="15" name="Graphic 14">
-            <a:extLst>
-              <a:ext uri="{FF2B5EF4-FFF2-40B4-BE49-F238E27FC236}">
-                <a16:creationId xmlns:a16="http://schemas.microsoft.com/office/drawing/2014/main" id="{3159AC27-070E-4414-B439-604CB9996D61}"/>
-              </a:ext>
-            </a:extLst>
-          </p:cNvPr>
-          <p:cNvPicPr>
-            <a:picLocks noChangeAspect="1"/>
-          </p:cNvPicPr>
-          <p:nvPr/>
-        </p:nvPicPr>
-        <p:blipFill>
-          <a:blip r:embed="rId13">
-            <a:extLst>
-              <a:ext uri="{28A0092B-C50C-407E-A947-70E740481C1C}">
-                <a14:useLocalDpi xmlns:a14="http://schemas.microsoft.com/office/drawing/2010/main" val="0"/>
-              </a:ext>
-              <a:ext uri="{96DAC541-7B7A-43D3-8B79-37D633B846F1}">
-                <asvg:svgBlip xmlns:asvg="http://schemas.microsoft.com/office/drawing/2016/SVG/main" r:embed="rId14"/>
-              </a:ext>
-            </a:extLst>
-          </a:blip>
-          <a:stretch>
-            <a:fillRect/>
-          </a:stretch>
-        </p:blipFill>
-        <p:spPr>
-          <a:xfrm>
-            <a:off x="287908" y="1139619"/>
-            <a:ext cx="1277194" cy="766316"/>
-          </a:xfrm>
-          <a:prstGeom prst="rect">
-            <a:avLst/>
-          </a:prstGeom>
-        </p:spPr>
-      </p:pic>
-      <p:pic>
-        <p:nvPicPr>
-          <p:cNvPr id="18" name="Graphic 17">
-            <a:extLst>
-              <a:ext uri="{FF2B5EF4-FFF2-40B4-BE49-F238E27FC236}">
-                <a16:creationId xmlns:a16="http://schemas.microsoft.com/office/drawing/2014/main" id="{501ACEA7-F338-4534-96FD-5D633DBBDE38}"/>
-              </a:ext>
-            </a:extLst>
-          </p:cNvPr>
-          <p:cNvPicPr>
-            <a:picLocks noChangeAspect="1"/>
-          </p:cNvPicPr>
-          <p:nvPr/>
-        </p:nvPicPr>
-        <p:blipFill>
-          <a:blip r:embed="rId15">
-            <a:extLst>
-              <a:ext uri="{28A0092B-C50C-407E-A947-70E740481C1C}">
-                <a14:useLocalDpi xmlns:a14="http://schemas.microsoft.com/office/drawing/2010/main" val="0"/>
-              </a:ext>
-              <a:ext uri="{96DAC541-7B7A-43D3-8B79-37D633B846F1}">
-                <asvg:svgBlip xmlns:asvg="http://schemas.microsoft.com/office/drawing/2016/SVG/main" r:embed="rId16"/>
-              </a:ext>
-            </a:extLst>
-          </a:blip>
-          <a:stretch>
-            <a:fillRect/>
-          </a:stretch>
-        </p:blipFill>
-        <p:spPr>
-          <a:xfrm>
-            <a:off x="112611" y="1997151"/>
-            <a:ext cx="1434474" cy="860684"/>
-          </a:xfrm>
-          <a:prstGeom prst="rect">
-            <a:avLst/>
-          </a:prstGeom>
-        </p:spPr>
-      </p:pic>
-      <p:pic>
-        <p:nvPicPr>
-          <p:cNvPr id="20" name="Graphic 19">
-            <a:extLst>
-              <a:ext uri="{FF2B5EF4-FFF2-40B4-BE49-F238E27FC236}">
-                <a16:creationId xmlns:a16="http://schemas.microsoft.com/office/drawing/2014/main" id="{5B8734D2-3F76-44FC-96A0-534FEB7FAB60}"/>
-              </a:ext>
-            </a:extLst>
-          </p:cNvPr>
-          <p:cNvPicPr>
-            <a:picLocks noChangeAspect="1"/>
-          </p:cNvPicPr>
-          <p:nvPr/>
-        </p:nvPicPr>
-        <p:blipFill>
-          <a:blip r:embed="rId17">
-            <a:extLst>
-              <a:ext uri="{28A0092B-C50C-407E-A947-70E740481C1C}">
-                <a14:useLocalDpi xmlns:a14="http://schemas.microsoft.com/office/drawing/2010/main" val="0"/>
-              </a:ext>
-              <a:ext uri="{96DAC541-7B7A-43D3-8B79-37D633B846F1}">
-                <asvg:svgBlip xmlns:asvg="http://schemas.microsoft.com/office/drawing/2016/SVG/main" r:embed="rId18"/>
-              </a:ext>
-            </a:extLst>
-          </a:blip>
-          <a:stretch>
-            <a:fillRect/>
-          </a:stretch>
-        </p:blipFill>
-        <p:spPr>
-          <a:xfrm>
-            <a:off x="238734" y="2908285"/>
-            <a:ext cx="1294837" cy="776902"/>
-          </a:xfrm>
-          <a:prstGeom prst="rect">
-            <a:avLst/>
-          </a:prstGeom>
-        </p:spPr>
-      </p:pic>
-      <p:pic>
-        <p:nvPicPr>
-          <p:cNvPr id="22" name="Graphic 21">
-            <a:extLst>
-              <a:ext uri="{FF2B5EF4-FFF2-40B4-BE49-F238E27FC236}">
-                <a16:creationId xmlns:a16="http://schemas.microsoft.com/office/drawing/2014/main" id="{E8551808-A980-47E4-B45B-FEB6B2AD3116}"/>
-              </a:ext>
-            </a:extLst>
-          </p:cNvPr>
-          <p:cNvPicPr>
-            <a:picLocks noChangeAspect="1"/>
-          </p:cNvPicPr>
-          <p:nvPr/>
-        </p:nvPicPr>
-        <p:blipFill>
-          <a:blip r:embed="rId19">
-            <a:extLst>
-              <a:ext uri="{28A0092B-C50C-407E-A947-70E740481C1C}">
-                <a14:useLocalDpi xmlns:a14="http://schemas.microsoft.com/office/drawing/2010/main" val="0"/>
-              </a:ext>
-              <a:ext uri="{96DAC541-7B7A-43D3-8B79-37D633B846F1}">
-                <asvg:svgBlip xmlns:asvg="http://schemas.microsoft.com/office/drawing/2016/SVG/main" r:embed="rId20"/>
-              </a:ext>
-            </a:extLst>
-          </a:blip>
-          <a:stretch>
-            <a:fillRect/>
-          </a:stretch>
-        </p:blipFill>
-        <p:spPr>
-          <a:xfrm>
-            <a:off x="216213" y="4648572"/>
-            <a:ext cx="1272315" cy="815303"/>
-          </a:xfrm>
-          <a:prstGeom prst="rect">
-            <a:avLst/>
-          </a:prstGeom>
-        </p:spPr>
-      </p:pic>
-      <p:pic>
-        <p:nvPicPr>
-          <p:cNvPr id="24" name="Graphic 23">
-            <a:extLst>
-              <a:ext uri="{FF2B5EF4-FFF2-40B4-BE49-F238E27FC236}">
-                <a16:creationId xmlns:a16="http://schemas.microsoft.com/office/drawing/2014/main" id="{C8DFFF52-3D57-49F2-940F-F1D74BE9EE89}"/>
-              </a:ext>
-            </a:extLst>
-          </p:cNvPr>
-          <p:cNvPicPr>
-            <a:picLocks noChangeAspect="1"/>
-          </p:cNvPicPr>
-          <p:nvPr/>
-        </p:nvPicPr>
-        <p:blipFill>
-          <a:blip r:embed="rId21">
-            <a:extLst>
-              <a:ext uri="{28A0092B-C50C-407E-A947-70E740481C1C}">
-                <a14:useLocalDpi xmlns:a14="http://schemas.microsoft.com/office/drawing/2010/main" val="0"/>
-              </a:ext>
-              <a:ext uri="{96DAC541-7B7A-43D3-8B79-37D633B846F1}">
-                <asvg:svgBlip xmlns:asvg="http://schemas.microsoft.com/office/drawing/2016/SVG/main" r:embed="rId22"/>
-              </a:ext>
-            </a:extLst>
-          </a:blip>
-          <a:stretch>
-            <a:fillRect/>
-          </a:stretch>
-        </p:blipFill>
-        <p:spPr>
-          <a:xfrm>
-            <a:off x="85584" y="3726111"/>
-            <a:ext cx="1543708" cy="895435"/>
-          </a:xfrm>
-          <a:prstGeom prst="rect">
-            <a:avLst/>
-          </a:prstGeom>
-        </p:spPr>
-      </p:pic>
-    </p:spTree>
-    <p:extLst>
-      <p:ext uri="{BB962C8B-B14F-4D97-AF65-F5344CB8AC3E}">
-        <p14:creationId xmlns:p14="http://schemas.microsoft.com/office/powerpoint/2010/main" val="2444002202"/>
-      </p:ext>
-    </p:extLst>
-  </p:cSld>
-  <p:clrMapOvr>
-    <a:masterClrMapping/>
-  </p:clrMapOvr>
-  <mc:AlternateContent xmlns:mc="http://schemas.openxmlformats.org/markup-compatibility/2006" xmlns:p14="http://schemas.microsoft.com/office/powerpoint/2010/main">
-    <mc:Choice Requires="p14">
-      <p:transition spd="med" p14:dur="700">
-        <p:fade/>
-      </p:transition>
-    </mc:Choice>
-    <mc:Fallback xmlns="">
-      <p:transition spd="med">
-        <p:fade/>
-      </p:transition>
-    </mc:Fallback>
-  </mc:AlternateContent>
 </p:sld>
 </file>
 
